--- a/Документация/ИУ5-82Б Ким презентация.pptx
+++ b/Документация/ИУ5-82Б Ким презентация.pptx
@@ -150,7 +150,7 @@
           <p:cNvPr id="2" name="Заголовок 1">
             <a:extLst>
               <a:ext uri="{FF2B5EF4-FFF2-40B4-BE49-F238E27FC236}">
-                <a16:creationId xmlns:a16="http://schemas.microsoft.com/office/drawing/2014/main" xmlns="" id="{F5B08569-8ECB-42C6-ACAF-C71590B1F7E9}"/>
+                <a16:creationId xmlns="" xmlns:a16="http://schemas.microsoft.com/office/drawing/2014/main" id="{F5B08569-8ECB-42C6-ACAF-C71590B1F7E9}"/>
               </a:ext>
             </a:extLst>
           </p:cNvPr>
@@ -187,7 +187,7 @@
           <p:cNvPr id="3" name="Подзаголовок 2">
             <a:extLst>
               <a:ext uri="{FF2B5EF4-FFF2-40B4-BE49-F238E27FC236}">
-                <a16:creationId xmlns:a16="http://schemas.microsoft.com/office/drawing/2014/main" xmlns="" id="{A50CAC58-895D-4343-8C8F-768C110DB902}"/>
+                <a16:creationId xmlns="" xmlns:a16="http://schemas.microsoft.com/office/drawing/2014/main" id="{A50CAC58-895D-4343-8C8F-768C110DB902}"/>
               </a:ext>
             </a:extLst>
           </p:cNvPr>
@@ -257,7 +257,7 @@
           <p:cNvPr id="4" name="Дата 3">
             <a:extLst>
               <a:ext uri="{FF2B5EF4-FFF2-40B4-BE49-F238E27FC236}">
-                <a16:creationId xmlns:a16="http://schemas.microsoft.com/office/drawing/2014/main" xmlns="" id="{18F33EC3-87CA-4AC8-8F1C-791EE4D15B6D}"/>
+                <a16:creationId xmlns="" xmlns:a16="http://schemas.microsoft.com/office/drawing/2014/main" id="{18F33EC3-87CA-4AC8-8F1C-791EE4D15B6D}"/>
               </a:ext>
             </a:extLst>
           </p:cNvPr>
@@ -286,7 +286,7 @@
           <p:cNvPr id="5" name="Нижний колонтитул 4">
             <a:extLst>
               <a:ext uri="{FF2B5EF4-FFF2-40B4-BE49-F238E27FC236}">
-                <a16:creationId xmlns:a16="http://schemas.microsoft.com/office/drawing/2014/main" xmlns="" id="{31407E95-B8AF-4915-9343-C77E4B76A8C2}"/>
+                <a16:creationId xmlns="" xmlns:a16="http://schemas.microsoft.com/office/drawing/2014/main" id="{31407E95-B8AF-4915-9343-C77E4B76A8C2}"/>
               </a:ext>
             </a:extLst>
           </p:cNvPr>
@@ -311,7 +311,7 @@
           <p:cNvPr id="6" name="Номер слайда 5">
             <a:extLst>
               <a:ext uri="{FF2B5EF4-FFF2-40B4-BE49-F238E27FC236}">
-                <a16:creationId xmlns:a16="http://schemas.microsoft.com/office/drawing/2014/main" xmlns="" id="{3C92F14C-D275-4236-B543-833B3BE07A3E}"/>
+                <a16:creationId xmlns="" xmlns:a16="http://schemas.microsoft.com/office/drawing/2014/main" id="{3C92F14C-D275-4236-B543-833B3BE07A3E}"/>
               </a:ext>
             </a:extLst>
           </p:cNvPr>
@@ -370,7 +370,7 @@
           <p:cNvPr id="2" name="Заголовок 1">
             <a:extLst>
               <a:ext uri="{FF2B5EF4-FFF2-40B4-BE49-F238E27FC236}">
-                <a16:creationId xmlns:a16="http://schemas.microsoft.com/office/drawing/2014/main" xmlns="" id="{48D37A24-35E2-4175-8C5C-5E3F728CBF37}"/>
+                <a16:creationId xmlns="" xmlns:a16="http://schemas.microsoft.com/office/drawing/2014/main" id="{48D37A24-35E2-4175-8C5C-5E3F728CBF37}"/>
               </a:ext>
             </a:extLst>
           </p:cNvPr>
@@ -398,7 +398,7 @@
           <p:cNvPr id="3" name="Вертикальный текст 2">
             <a:extLst>
               <a:ext uri="{FF2B5EF4-FFF2-40B4-BE49-F238E27FC236}">
-                <a16:creationId xmlns:a16="http://schemas.microsoft.com/office/drawing/2014/main" xmlns="" id="{05612252-AE30-4671-869C-A0581AEE2919}"/>
+                <a16:creationId xmlns="" xmlns:a16="http://schemas.microsoft.com/office/drawing/2014/main" id="{05612252-AE30-4671-869C-A0581AEE2919}"/>
               </a:ext>
             </a:extLst>
           </p:cNvPr>
@@ -455,7 +455,7 @@
           <p:cNvPr id="4" name="Дата 3">
             <a:extLst>
               <a:ext uri="{FF2B5EF4-FFF2-40B4-BE49-F238E27FC236}">
-                <a16:creationId xmlns:a16="http://schemas.microsoft.com/office/drawing/2014/main" xmlns="" id="{4F0B0909-F9C4-458E-A1F0-EF26FA6CB331}"/>
+                <a16:creationId xmlns="" xmlns:a16="http://schemas.microsoft.com/office/drawing/2014/main" id="{4F0B0909-F9C4-458E-A1F0-EF26FA6CB331}"/>
               </a:ext>
             </a:extLst>
           </p:cNvPr>
@@ -484,7 +484,7 @@
           <p:cNvPr id="5" name="Нижний колонтитул 4">
             <a:extLst>
               <a:ext uri="{FF2B5EF4-FFF2-40B4-BE49-F238E27FC236}">
-                <a16:creationId xmlns:a16="http://schemas.microsoft.com/office/drawing/2014/main" xmlns="" id="{1CA65E59-AF11-409F-9C4C-F0E73B201B04}"/>
+                <a16:creationId xmlns="" xmlns:a16="http://schemas.microsoft.com/office/drawing/2014/main" id="{1CA65E59-AF11-409F-9C4C-F0E73B201B04}"/>
               </a:ext>
             </a:extLst>
           </p:cNvPr>
@@ -509,7 +509,7 @@
           <p:cNvPr id="6" name="Номер слайда 5">
             <a:extLst>
               <a:ext uri="{FF2B5EF4-FFF2-40B4-BE49-F238E27FC236}">
-                <a16:creationId xmlns:a16="http://schemas.microsoft.com/office/drawing/2014/main" xmlns="" id="{185B51BE-6F34-4E16-8823-28212A794FFE}"/>
+                <a16:creationId xmlns="" xmlns:a16="http://schemas.microsoft.com/office/drawing/2014/main" id="{185B51BE-6F34-4E16-8823-28212A794FFE}"/>
               </a:ext>
             </a:extLst>
           </p:cNvPr>
@@ -568,7 +568,7 @@
           <p:cNvPr id="2" name="Вертикальный заголовок 1">
             <a:extLst>
               <a:ext uri="{FF2B5EF4-FFF2-40B4-BE49-F238E27FC236}">
-                <a16:creationId xmlns:a16="http://schemas.microsoft.com/office/drawing/2014/main" xmlns="" id="{08074A63-F9EE-4B5E-A821-268BA7927044}"/>
+                <a16:creationId xmlns="" xmlns:a16="http://schemas.microsoft.com/office/drawing/2014/main" id="{08074A63-F9EE-4B5E-A821-268BA7927044}"/>
               </a:ext>
             </a:extLst>
           </p:cNvPr>
@@ -601,7 +601,7 @@
           <p:cNvPr id="3" name="Вертикальный текст 2">
             <a:extLst>
               <a:ext uri="{FF2B5EF4-FFF2-40B4-BE49-F238E27FC236}">
-                <a16:creationId xmlns:a16="http://schemas.microsoft.com/office/drawing/2014/main" xmlns="" id="{CA0153C7-F6A6-46E4-A613-B91AA427F81C}"/>
+                <a16:creationId xmlns="" xmlns:a16="http://schemas.microsoft.com/office/drawing/2014/main" id="{CA0153C7-F6A6-46E4-A613-B91AA427F81C}"/>
               </a:ext>
             </a:extLst>
           </p:cNvPr>
@@ -663,7 +663,7 @@
           <p:cNvPr id="4" name="Дата 3">
             <a:extLst>
               <a:ext uri="{FF2B5EF4-FFF2-40B4-BE49-F238E27FC236}">
-                <a16:creationId xmlns:a16="http://schemas.microsoft.com/office/drawing/2014/main" xmlns="" id="{6C9358B7-17FE-4B3F-A8B4-3209BF9A1810}"/>
+                <a16:creationId xmlns="" xmlns:a16="http://schemas.microsoft.com/office/drawing/2014/main" id="{6C9358B7-17FE-4B3F-A8B4-3209BF9A1810}"/>
               </a:ext>
             </a:extLst>
           </p:cNvPr>
@@ -692,7 +692,7 @@
           <p:cNvPr id="5" name="Нижний колонтитул 4">
             <a:extLst>
               <a:ext uri="{FF2B5EF4-FFF2-40B4-BE49-F238E27FC236}">
-                <a16:creationId xmlns:a16="http://schemas.microsoft.com/office/drawing/2014/main" xmlns="" id="{96D3B99E-701F-4CA2-B161-FBF39849789C}"/>
+                <a16:creationId xmlns="" xmlns:a16="http://schemas.microsoft.com/office/drawing/2014/main" id="{96D3B99E-701F-4CA2-B161-FBF39849789C}"/>
               </a:ext>
             </a:extLst>
           </p:cNvPr>
@@ -717,7 +717,7 @@
           <p:cNvPr id="6" name="Номер слайда 5">
             <a:extLst>
               <a:ext uri="{FF2B5EF4-FFF2-40B4-BE49-F238E27FC236}">
-                <a16:creationId xmlns:a16="http://schemas.microsoft.com/office/drawing/2014/main" xmlns="" id="{E0D9470D-2AEB-430D-8A37-F3DA576985B8}"/>
+                <a16:creationId xmlns="" xmlns:a16="http://schemas.microsoft.com/office/drawing/2014/main" id="{E0D9470D-2AEB-430D-8A37-F3DA576985B8}"/>
               </a:ext>
             </a:extLst>
           </p:cNvPr>
@@ -776,7 +776,7 @@
           <p:cNvPr id="2" name="Заголовок 1">
             <a:extLst>
               <a:ext uri="{FF2B5EF4-FFF2-40B4-BE49-F238E27FC236}">
-                <a16:creationId xmlns:a16="http://schemas.microsoft.com/office/drawing/2014/main" xmlns="" id="{231E49FC-E50D-4A7B-AAF5-DF38417FCA6A}"/>
+                <a16:creationId xmlns="" xmlns:a16="http://schemas.microsoft.com/office/drawing/2014/main" id="{231E49FC-E50D-4A7B-AAF5-DF38417FCA6A}"/>
               </a:ext>
             </a:extLst>
           </p:cNvPr>
@@ -804,7 +804,7 @@
           <p:cNvPr id="3" name="Объект 2">
             <a:extLst>
               <a:ext uri="{FF2B5EF4-FFF2-40B4-BE49-F238E27FC236}">
-                <a16:creationId xmlns:a16="http://schemas.microsoft.com/office/drawing/2014/main" xmlns="" id="{D1825E4D-D7D9-4D07-B641-AD754C91B7E6}"/>
+                <a16:creationId xmlns="" xmlns:a16="http://schemas.microsoft.com/office/drawing/2014/main" id="{D1825E4D-D7D9-4D07-B641-AD754C91B7E6}"/>
               </a:ext>
             </a:extLst>
           </p:cNvPr>
@@ -861,7 +861,7 @@
           <p:cNvPr id="4" name="Дата 3">
             <a:extLst>
               <a:ext uri="{FF2B5EF4-FFF2-40B4-BE49-F238E27FC236}">
-                <a16:creationId xmlns:a16="http://schemas.microsoft.com/office/drawing/2014/main" xmlns="" id="{FC27CC7F-C525-4E0F-876D-CC15A525F1A5}"/>
+                <a16:creationId xmlns="" xmlns:a16="http://schemas.microsoft.com/office/drawing/2014/main" id="{FC27CC7F-C525-4E0F-876D-CC15A525F1A5}"/>
               </a:ext>
             </a:extLst>
           </p:cNvPr>
@@ -890,7 +890,7 @@
           <p:cNvPr id="5" name="Нижний колонтитул 4">
             <a:extLst>
               <a:ext uri="{FF2B5EF4-FFF2-40B4-BE49-F238E27FC236}">
-                <a16:creationId xmlns:a16="http://schemas.microsoft.com/office/drawing/2014/main" xmlns="" id="{5FC1F044-ECE7-42E4-B33E-97D41335E84F}"/>
+                <a16:creationId xmlns="" xmlns:a16="http://schemas.microsoft.com/office/drawing/2014/main" id="{5FC1F044-ECE7-42E4-B33E-97D41335E84F}"/>
               </a:ext>
             </a:extLst>
           </p:cNvPr>
@@ -915,7 +915,7 @@
           <p:cNvPr id="6" name="Номер слайда 5">
             <a:extLst>
               <a:ext uri="{FF2B5EF4-FFF2-40B4-BE49-F238E27FC236}">
-                <a16:creationId xmlns:a16="http://schemas.microsoft.com/office/drawing/2014/main" xmlns="" id="{59B2C1CB-0834-48C0-A334-E22F408AEEE1}"/>
+                <a16:creationId xmlns="" xmlns:a16="http://schemas.microsoft.com/office/drawing/2014/main" id="{59B2C1CB-0834-48C0-A334-E22F408AEEE1}"/>
               </a:ext>
             </a:extLst>
           </p:cNvPr>
@@ -974,7 +974,7 @@
           <p:cNvPr id="2" name="Заголовок 1">
             <a:extLst>
               <a:ext uri="{FF2B5EF4-FFF2-40B4-BE49-F238E27FC236}">
-                <a16:creationId xmlns:a16="http://schemas.microsoft.com/office/drawing/2014/main" xmlns="" id="{54FC311A-E03B-49C1-AC52-8D88F0F125ED}"/>
+                <a16:creationId xmlns="" xmlns:a16="http://schemas.microsoft.com/office/drawing/2014/main" id="{54FC311A-E03B-49C1-AC52-8D88F0F125ED}"/>
               </a:ext>
             </a:extLst>
           </p:cNvPr>
@@ -1011,7 +1011,7 @@
           <p:cNvPr id="3" name="Текст 2">
             <a:extLst>
               <a:ext uri="{FF2B5EF4-FFF2-40B4-BE49-F238E27FC236}">
-                <a16:creationId xmlns:a16="http://schemas.microsoft.com/office/drawing/2014/main" xmlns="" id="{5AA1C1E1-F136-44DD-BEA0-A6105E6FDEC9}"/>
+                <a16:creationId xmlns="" xmlns:a16="http://schemas.microsoft.com/office/drawing/2014/main" id="{5AA1C1E1-F136-44DD-BEA0-A6105E6FDEC9}"/>
               </a:ext>
             </a:extLst>
           </p:cNvPr>
@@ -1136,7 +1136,7 @@
           <p:cNvPr id="4" name="Дата 3">
             <a:extLst>
               <a:ext uri="{FF2B5EF4-FFF2-40B4-BE49-F238E27FC236}">
-                <a16:creationId xmlns:a16="http://schemas.microsoft.com/office/drawing/2014/main" xmlns="" id="{ACF09826-296B-4B4B-8CAD-4B18C6B646D0}"/>
+                <a16:creationId xmlns="" xmlns:a16="http://schemas.microsoft.com/office/drawing/2014/main" id="{ACF09826-296B-4B4B-8CAD-4B18C6B646D0}"/>
               </a:ext>
             </a:extLst>
           </p:cNvPr>
@@ -1165,7 +1165,7 @@
           <p:cNvPr id="5" name="Нижний колонтитул 4">
             <a:extLst>
               <a:ext uri="{FF2B5EF4-FFF2-40B4-BE49-F238E27FC236}">
-                <a16:creationId xmlns:a16="http://schemas.microsoft.com/office/drawing/2014/main" xmlns="" id="{75B0797E-8E7E-4578-BA5C-DFC28C13EDE8}"/>
+                <a16:creationId xmlns="" xmlns:a16="http://schemas.microsoft.com/office/drawing/2014/main" id="{75B0797E-8E7E-4578-BA5C-DFC28C13EDE8}"/>
               </a:ext>
             </a:extLst>
           </p:cNvPr>
@@ -1190,7 +1190,7 @@
           <p:cNvPr id="6" name="Номер слайда 5">
             <a:extLst>
               <a:ext uri="{FF2B5EF4-FFF2-40B4-BE49-F238E27FC236}">
-                <a16:creationId xmlns:a16="http://schemas.microsoft.com/office/drawing/2014/main" xmlns="" id="{3B190120-C3F0-4848-A5A2-EC380B249884}"/>
+                <a16:creationId xmlns="" xmlns:a16="http://schemas.microsoft.com/office/drawing/2014/main" id="{3B190120-C3F0-4848-A5A2-EC380B249884}"/>
               </a:ext>
             </a:extLst>
           </p:cNvPr>
@@ -1249,7 +1249,7 @@
           <p:cNvPr id="2" name="Заголовок 1">
             <a:extLst>
               <a:ext uri="{FF2B5EF4-FFF2-40B4-BE49-F238E27FC236}">
-                <a16:creationId xmlns:a16="http://schemas.microsoft.com/office/drawing/2014/main" xmlns="" id="{2B6484BB-6020-4038-9823-7F475AC73C4B}"/>
+                <a16:creationId xmlns="" xmlns:a16="http://schemas.microsoft.com/office/drawing/2014/main" id="{2B6484BB-6020-4038-9823-7F475AC73C4B}"/>
               </a:ext>
             </a:extLst>
           </p:cNvPr>
@@ -1277,7 +1277,7 @@
           <p:cNvPr id="3" name="Объект 2">
             <a:extLst>
               <a:ext uri="{FF2B5EF4-FFF2-40B4-BE49-F238E27FC236}">
-                <a16:creationId xmlns:a16="http://schemas.microsoft.com/office/drawing/2014/main" xmlns="" id="{0D31BEF7-E97D-4CCA-A712-F6A2CCB470EB}"/>
+                <a16:creationId xmlns="" xmlns:a16="http://schemas.microsoft.com/office/drawing/2014/main" id="{0D31BEF7-E97D-4CCA-A712-F6A2CCB470EB}"/>
               </a:ext>
             </a:extLst>
           </p:cNvPr>
@@ -1339,7 +1339,7 @@
           <p:cNvPr id="4" name="Объект 3">
             <a:extLst>
               <a:ext uri="{FF2B5EF4-FFF2-40B4-BE49-F238E27FC236}">
-                <a16:creationId xmlns:a16="http://schemas.microsoft.com/office/drawing/2014/main" xmlns="" id="{40743FF5-3A25-4B23-88AD-7D725A0E35A9}"/>
+                <a16:creationId xmlns="" xmlns:a16="http://schemas.microsoft.com/office/drawing/2014/main" id="{40743FF5-3A25-4B23-88AD-7D725A0E35A9}"/>
               </a:ext>
             </a:extLst>
           </p:cNvPr>
@@ -1401,7 +1401,7 @@
           <p:cNvPr id="5" name="Дата 4">
             <a:extLst>
               <a:ext uri="{FF2B5EF4-FFF2-40B4-BE49-F238E27FC236}">
-                <a16:creationId xmlns:a16="http://schemas.microsoft.com/office/drawing/2014/main" xmlns="" id="{A2E14808-372C-4716-B7DB-9FE54F23C868}"/>
+                <a16:creationId xmlns="" xmlns:a16="http://schemas.microsoft.com/office/drawing/2014/main" id="{A2E14808-372C-4716-B7DB-9FE54F23C868}"/>
               </a:ext>
             </a:extLst>
           </p:cNvPr>
@@ -1430,7 +1430,7 @@
           <p:cNvPr id="6" name="Нижний колонтитул 5">
             <a:extLst>
               <a:ext uri="{FF2B5EF4-FFF2-40B4-BE49-F238E27FC236}">
-                <a16:creationId xmlns:a16="http://schemas.microsoft.com/office/drawing/2014/main" xmlns="" id="{BA6DAAEA-A27E-4953-B3D0-DE0DDEB8B4EF}"/>
+                <a16:creationId xmlns="" xmlns:a16="http://schemas.microsoft.com/office/drawing/2014/main" id="{BA6DAAEA-A27E-4953-B3D0-DE0DDEB8B4EF}"/>
               </a:ext>
             </a:extLst>
           </p:cNvPr>
@@ -1455,7 +1455,7 @@
           <p:cNvPr id="7" name="Номер слайда 6">
             <a:extLst>
               <a:ext uri="{FF2B5EF4-FFF2-40B4-BE49-F238E27FC236}">
-                <a16:creationId xmlns:a16="http://schemas.microsoft.com/office/drawing/2014/main" xmlns="" id="{15E0C645-5601-4821-887A-5A2C636097E3}"/>
+                <a16:creationId xmlns="" xmlns:a16="http://schemas.microsoft.com/office/drawing/2014/main" id="{15E0C645-5601-4821-887A-5A2C636097E3}"/>
               </a:ext>
             </a:extLst>
           </p:cNvPr>
@@ -1514,7 +1514,7 @@
           <p:cNvPr id="2" name="Заголовок 1">
             <a:extLst>
               <a:ext uri="{FF2B5EF4-FFF2-40B4-BE49-F238E27FC236}">
-                <a16:creationId xmlns:a16="http://schemas.microsoft.com/office/drawing/2014/main" xmlns="" id="{2D554C91-7AC1-4725-BB21-C0C4832620DF}"/>
+                <a16:creationId xmlns="" xmlns:a16="http://schemas.microsoft.com/office/drawing/2014/main" id="{2D554C91-7AC1-4725-BB21-C0C4832620DF}"/>
               </a:ext>
             </a:extLst>
           </p:cNvPr>
@@ -1547,7 +1547,7 @@
           <p:cNvPr id="3" name="Текст 2">
             <a:extLst>
               <a:ext uri="{FF2B5EF4-FFF2-40B4-BE49-F238E27FC236}">
-                <a16:creationId xmlns:a16="http://schemas.microsoft.com/office/drawing/2014/main" xmlns="" id="{CAAF5778-C036-4D5A-BC30-ADF633BF08B4}"/>
+                <a16:creationId xmlns="" xmlns:a16="http://schemas.microsoft.com/office/drawing/2014/main" id="{CAAF5778-C036-4D5A-BC30-ADF633BF08B4}"/>
               </a:ext>
             </a:extLst>
           </p:cNvPr>
@@ -1618,7 +1618,7 @@
           <p:cNvPr id="4" name="Объект 3">
             <a:extLst>
               <a:ext uri="{FF2B5EF4-FFF2-40B4-BE49-F238E27FC236}">
-                <a16:creationId xmlns:a16="http://schemas.microsoft.com/office/drawing/2014/main" xmlns="" id="{62EA8717-D91B-49FD-82D4-49B039793658}"/>
+                <a16:creationId xmlns="" xmlns:a16="http://schemas.microsoft.com/office/drawing/2014/main" id="{62EA8717-D91B-49FD-82D4-49B039793658}"/>
               </a:ext>
             </a:extLst>
           </p:cNvPr>
@@ -1680,7 +1680,7 @@
           <p:cNvPr id="5" name="Текст 4">
             <a:extLst>
               <a:ext uri="{FF2B5EF4-FFF2-40B4-BE49-F238E27FC236}">
-                <a16:creationId xmlns:a16="http://schemas.microsoft.com/office/drawing/2014/main" xmlns="" id="{87005973-79E1-4ECB-8506-4788F554FA50}"/>
+                <a16:creationId xmlns="" xmlns:a16="http://schemas.microsoft.com/office/drawing/2014/main" id="{87005973-79E1-4ECB-8506-4788F554FA50}"/>
               </a:ext>
             </a:extLst>
           </p:cNvPr>
@@ -1751,7 +1751,7 @@
           <p:cNvPr id="6" name="Объект 5">
             <a:extLst>
               <a:ext uri="{FF2B5EF4-FFF2-40B4-BE49-F238E27FC236}">
-                <a16:creationId xmlns:a16="http://schemas.microsoft.com/office/drawing/2014/main" xmlns="" id="{60AC390D-35F7-4639-ABEA-FAA7E99215AD}"/>
+                <a16:creationId xmlns="" xmlns:a16="http://schemas.microsoft.com/office/drawing/2014/main" id="{60AC390D-35F7-4639-ABEA-FAA7E99215AD}"/>
               </a:ext>
             </a:extLst>
           </p:cNvPr>
@@ -1813,7 +1813,7 @@
           <p:cNvPr id="7" name="Дата 6">
             <a:extLst>
               <a:ext uri="{FF2B5EF4-FFF2-40B4-BE49-F238E27FC236}">
-                <a16:creationId xmlns:a16="http://schemas.microsoft.com/office/drawing/2014/main" xmlns="" id="{5CE83F1F-539C-4420-B73A-E857A2E32D28}"/>
+                <a16:creationId xmlns="" xmlns:a16="http://schemas.microsoft.com/office/drawing/2014/main" id="{5CE83F1F-539C-4420-B73A-E857A2E32D28}"/>
               </a:ext>
             </a:extLst>
           </p:cNvPr>
@@ -1842,7 +1842,7 @@
           <p:cNvPr id="8" name="Нижний колонтитул 7">
             <a:extLst>
               <a:ext uri="{FF2B5EF4-FFF2-40B4-BE49-F238E27FC236}">
-                <a16:creationId xmlns:a16="http://schemas.microsoft.com/office/drawing/2014/main" xmlns="" id="{34B700C7-F5EC-4AC8-B5BB-EA1A3016D376}"/>
+                <a16:creationId xmlns="" xmlns:a16="http://schemas.microsoft.com/office/drawing/2014/main" id="{34B700C7-F5EC-4AC8-B5BB-EA1A3016D376}"/>
               </a:ext>
             </a:extLst>
           </p:cNvPr>
@@ -1867,7 +1867,7 @@
           <p:cNvPr id="9" name="Номер слайда 8">
             <a:extLst>
               <a:ext uri="{FF2B5EF4-FFF2-40B4-BE49-F238E27FC236}">
-                <a16:creationId xmlns:a16="http://schemas.microsoft.com/office/drawing/2014/main" xmlns="" id="{4E6BC469-4245-4C93-B274-7F9202E03A9E}"/>
+                <a16:creationId xmlns="" xmlns:a16="http://schemas.microsoft.com/office/drawing/2014/main" id="{4E6BC469-4245-4C93-B274-7F9202E03A9E}"/>
               </a:ext>
             </a:extLst>
           </p:cNvPr>
@@ -1926,7 +1926,7 @@
           <p:cNvPr id="2" name="Заголовок 1">
             <a:extLst>
               <a:ext uri="{FF2B5EF4-FFF2-40B4-BE49-F238E27FC236}">
-                <a16:creationId xmlns:a16="http://schemas.microsoft.com/office/drawing/2014/main" xmlns="" id="{A53AA8D8-D4AF-47F8-ADB5-F191C82AC6AB}"/>
+                <a16:creationId xmlns="" xmlns:a16="http://schemas.microsoft.com/office/drawing/2014/main" id="{A53AA8D8-D4AF-47F8-ADB5-F191C82AC6AB}"/>
               </a:ext>
             </a:extLst>
           </p:cNvPr>
@@ -1954,7 +1954,7 @@
           <p:cNvPr id="3" name="Дата 2">
             <a:extLst>
               <a:ext uri="{FF2B5EF4-FFF2-40B4-BE49-F238E27FC236}">
-                <a16:creationId xmlns:a16="http://schemas.microsoft.com/office/drawing/2014/main" xmlns="" id="{2607588E-ADA7-4D6D-9C11-E53B72C29953}"/>
+                <a16:creationId xmlns="" xmlns:a16="http://schemas.microsoft.com/office/drawing/2014/main" id="{2607588E-ADA7-4D6D-9C11-E53B72C29953}"/>
               </a:ext>
             </a:extLst>
           </p:cNvPr>
@@ -1983,7 +1983,7 @@
           <p:cNvPr id="4" name="Нижний колонтитул 3">
             <a:extLst>
               <a:ext uri="{FF2B5EF4-FFF2-40B4-BE49-F238E27FC236}">
-                <a16:creationId xmlns:a16="http://schemas.microsoft.com/office/drawing/2014/main" xmlns="" id="{E011A704-8091-4BF5-9A06-798B9F6BE562}"/>
+                <a16:creationId xmlns="" xmlns:a16="http://schemas.microsoft.com/office/drawing/2014/main" id="{E011A704-8091-4BF5-9A06-798B9F6BE562}"/>
               </a:ext>
             </a:extLst>
           </p:cNvPr>
@@ -2008,7 +2008,7 @@
           <p:cNvPr id="5" name="Номер слайда 4">
             <a:extLst>
               <a:ext uri="{FF2B5EF4-FFF2-40B4-BE49-F238E27FC236}">
-                <a16:creationId xmlns:a16="http://schemas.microsoft.com/office/drawing/2014/main" xmlns="" id="{25BFA1AA-1E55-4C68-9C02-8B7FEBFD2216}"/>
+                <a16:creationId xmlns="" xmlns:a16="http://schemas.microsoft.com/office/drawing/2014/main" id="{25BFA1AA-1E55-4C68-9C02-8B7FEBFD2216}"/>
               </a:ext>
             </a:extLst>
           </p:cNvPr>
@@ -2067,7 +2067,7 @@
           <p:cNvPr id="2" name="Дата 1">
             <a:extLst>
               <a:ext uri="{FF2B5EF4-FFF2-40B4-BE49-F238E27FC236}">
-                <a16:creationId xmlns:a16="http://schemas.microsoft.com/office/drawing/2014/main" xmlns="" id="{0A982A41-4617-4D50-9043-FC3CEAC3B0B1}"/>
+                <a16:creationId xmlns="" xmlns:a16="http://schemas.microsoft.com/office/drawing/2014/main" id="{0A982A41-4617-4D50-9043-FC3CEAC3B0B1}"/>
               </a:ext>
             </a:extLst>
           </p:cNvPr>
@@ -2096,7 +2096,7 @@
           <p:cNvPr id="3" name="Нижний колонтитул 2">
             <a:extLst>
               <a:ext uri="{FF2B5EF4-FFF2-40B4-BE49-F238E27FC236}">
-                <a16:creationId xmlns:a16="http://schemas.microsoft.com/office/drawing/2014/main" xmlns="" id="{4204332B-E7DE-474B-83DB-73FD3256A330}"/>
+                <a16:creationId xmlns="" xmlns:a16="http://schemas.microsoft.com/office/drawing/2014/main" id="{4204332B-E7DE-474B-83DB-73FD3256A330}"/>
               </a:ext>
             </a:extLst>
           </p:cNvPr>
@@ -2121,7 +2121,7 @@
           <p:cNvPr id="4" name="Номер слайда 3">
             <a:extLst>
               <a:ext uri="{FF2B5EF4-FFF2-40B4-BE49-F238E27FC236}">
-                <a16:creationId xmlns:a16="http://schemas.microsoft.com/office/drawing/2014/main" xmlns="" id="{E2CFDC79-920E-473D-B5F0-2D3BCFF05D19}"/>
+                <a16:creationId xmlns="" xmlns:a16="http://schemas.microsoft.com/office/drawing/2014/main" id="{E2CFDC79-920E-473D-B5F0-2D3BCFF05D19}"/>
               </a:ext>
             </a:extLst>
           </p:cNvPr>
@@ -2180,7 +2180,7 @@
           <p:cNvPr id="2" name="Заголовок 1">
             <a:extLst>
               <a:ext uri="{FF2B5EF4-FFF2-40B4-BE49-F238E27FC236}">
-                <a16:creationId xmlns:a16="http://schemas.microsoft.com/office/drawing/2014/main" xmlns="" id="{5DEA5147-0E4A-43B6-8EAA-E47E746A585D}"/>
+                <a16:creationId xmlns="" xmlns:a16="http://schemas.microsoft.com/office/drawing/2014/main" id="{5DEA5147-0E4A-43B6-8EAA-E47E746A585D}"/>
               </a:ext>
             </a:extLst>
           </p:cNvPr>
@@ -2217,7 +2217,7 @@
           <p:cNvPr id="3" name="Объект 2">
             <a:extLst>
               <a:ext uri="{FF2B5EF4-FFF2-40B4-BE49-F238E27FC236}">
-                <a16:creationId xmlns:a16="http://schemas.microsoft.com/office/drawing/2014/main" xmlns="" id="{417F65E9-0EDD-4D1E-81A4-AB4DA041DC47}"/>
+                <a16:creationId xmlns="" xmlns:a16="http://schemas.microsoft.com/office/drawing/2014/main" id="{417F65E9-0EDD-4D1E-81A4-AB4DA041DC47}"/>
               </a:ext>
             </a:extLst>
           </p:cNvPr>
@@ -2307,7 +2307,7 @@
           <p:cNvPr id="4" name="Текст 3">
             <a:extLst>
               <a:ext uri="{FF2B5EF4-FFF2-40B4-BE49-F238E27FC236}">
-                <a16:creationId xmlns:a16="http://schemas.microsoft.com/office/drawing/2014/main" xmlns="" id="{FE43CEDC-69F0-4670-959C-ABCCBD4E2AD5}"/>
+                <a16:creationId xmlns="" xmlns:a16="http://schemas.microsoft.com/office/drawing/2014/main" id="{FE43CEDC-69F0-4670-959C-ABCCBD4E2AD5}"/>
               </a:ext>
             </a:extLst>
           </p:cNvPr>
@@ -2378,7 +2378,7 @@
           <p:cNvPr id="5" name="Дата 4">
             <a:extLst>
               <a:ext uri="{FF2B5EF4-FFF2-40B4-BE49-F238E27FC236}">
-                <a16:creationId xmlns:a16="http://schemas.microsoft.com/office/drawing/2014/main" xmlns="" id="{85E0CFF7-7394-46F4-BC92-147B5553BDE0}"/>
+                <a16:creationId xmlns="" xmlns:a16="http://schemas.microsoft.com/office/drawing/2014/main" id="{85E0CFF7-7394-46F4-BC92-147B5553BDE0}"/>
               </a:ext>
             </a:extLst>
           </p:cNvPr>
@@ -2407,7 +2407,7 @@
           <p:cNvPr id="6" name="Нижний колонтитул 5">
             <a:extLst>
               <a:ext uri="{FF2B5EF4-FFF2-40B4-BE49-F238E27FC236}">
-                <a16:creationId xmlns:a16="http://schemas.microsoft.com/office/drawing/2014/main" xmlns="" id="{594C3BFB-76E3-46B7-817C-AA994F020A98}"/>
+                <a16:creationId xmlns="" xmlns:a16="http://schemas.microsoft.com/office/drawing/2014/main" id="{594C3BFB-76E3-46B7-817C-AA994F020A98}"/>
               </a:ext>
             </a:extLst>
           </p:cNvPr>
@@ -2432,7 +2432,7 @@
           <p:cNvPr id="7" name="Номер слайда 6">
             <a:extLst>
               <a:ext uri="{FF2B5EF4-FFF2-40B4-BE49-F238E27FC236}">
-                <a16:creationId xmlns:a16="http://schemas.microsoft.com/office/drawing/2014/main" xmlns="" id="{D0F73256-B262-4952-8E01-F45CC3EA7FE9}"/>
+                <a16:creationId xmlns="" xmlns:a16="http://schemas.microsoft.com/office/drawing/2014/main" id="{D0F73256-B262-4952-8E01-F45CC3EA7FE9}"/>
               </a:ext>
             </a:extLst>
           </p:cNvPr>
@@ -2491,7 +2491,7 @@
           <p:cNvPr id="2" name="Заголовок 1">
             <a:extLst>
               <a:ext uri="{FF2B5EF4-FFF2-40B4-BE49-F238E27FC236}">
-                <a16:creationId xmlns:a16="http://schemas.microsoft.com/office/drawing/2014/main" xmlns="" id="{941D3832-F608-4826-9AD6-90F6AFE10544}"/>
+                <a16:creationId xmlns="" xmlns:a16="http://schemas.microsoft.com/office/drawing/2014/main" id="{941D3832-F608-4826-9AD6-90F6AFE10544}"/>
               </a:ext>
             </a:extLst>
           </p:cNvPr>
@@ -2528,7 +2528,7 @@
           <p:cNvPr id="3" name="Рисунок 2">
             <a:extLst>
               <a:ext uri="{FF2B5EF4-FFF2-40B4-BE49-F238E27FC236}">
-                <a16:creationId xmlns:a16="http://schemas.microsoft.com/office/drawing/2014/main" xmlns="" id="{E511B8B8-3338-4F42-9B9E-37701A82BFBE}"/>
+                <a16:creationId xmlns="" xmlns:a16="http://schemas.microsoft.com/office/drawing/2014/main" id="{E511B8B8-3338-4F42-9B9E-37701A82BFBE}"/>
               </a:ext>
             </a:extLst>
           </p:cNvPr>
@@ -2595,7 +2595,7 @@
           <p:cNvPr id="4" name="Текст 3">
             <a:extLst>
               <a:ext uri="{FF2B5EF4-FFF2-40B4-BE49-F238E27FC236}">
-                <a16:creationId xmlns:a16="http://schemas.microsoft.com/office/drawing/2014/main" xmlns="" id="{A264038D-2571-4EFD-B43C-72E9636858E9}"/>
+                <a16:creationId xmlns="" xmlns:a16="http://schemas.microsoft.com/office/drawing/2014/main" id="{A264038D-2571-4EFD-B43C-72E9636858E9}"/>
               </a:ext>
             </a:extLst>
           </p:cNvPr>
@@ -2666,7 +2666,7 @@
           <p:cNvPr id="5" name="Дата 4">
             <a:extLst>
               <a:ext uri="{FF2B5EF4-FFF2-40B4-BE49-F238E27FC236}">
-                <a16:creationId xmlns:a16="http://schemas.microsoft.com/office/drawing/2014/main" xmlns="" id="{1A996835-153E-4684-A8BC-68751A2E6965}"/>
+                <a16:creationId xmlns="" xmlns:a16="http://schemas.microsoft.com/office/drawing/2014/main" id="{1A996835-153E-4684-A8BC-68751A2E6965}"/>
               </a:ext>
             </a:extLst>
           </p:cNvPr>
@@ -2695,7 +2695,7 @@
           <p:cNvPr id="6" name="Нижний колонтитул 5">
             <a:extLst>
               <a:ext uri="{FF2B5EF4-FFF2-40B4-BE49-F238E27FC236}">
-                <a16:creationId xmlns:a16="http://schemas.microsoft.com/office/drawing/2014/main" xmlns="" id="{2D916B67-72F3-4BE2-8306-98A643E792B2}"/>
+                <a16:creationId xmlns="" xmlns:a16="http://schemas.microsoft.com/office/drawing/2014/main" id="{2D916B67-72F3-4BE2-8306-98A643E792B2}"/>
               </a:ext>
             </a:extLst>
           </p:cNvPr>
@@ -2720,7 +2720,7 @@
           <p:cNvPr id="7" name="Номер слайда 6">
             <a:extLst>
               <a:ext uri="{FF2B5EF4-FFF2-40B4-BE49-F238E27FC236}">
-                <a16:creationId xmlns:a16="http://schemas.microsoft.com/office/drawing/2014/main" xmlns="" id="{C54A6524-7893-495E-8038-379EC5D6A134}"/>
+                <a16:creationId xmlns="" xmlns:a16="http://schemas.microsoft.com/office/drawing/2014/main" id="{C54A6524-7893-495E-8038-379EC5D6A134}"/>
               </a:ext>
             </a:extLst>
           </p:cNvPr>
@@ -2784,7 +2784,7 @@
           <p:cNvPr id="2" name="Заголовок 1">
             <a:extLst>
               <a:ext uri="{FF2B5EF4-FFF2-40B4-BE49-F238E27FC236}">
-                <a16:creationId xmlns:a16="http://schemas.microsoft.com/office/drawing/2014/main" xmlns="" id="{D6AFA4A1-2775-4877-916F-BA89D8FFF19B}"/>
+                <a16:creationId xmlns="" xmlns:a16="http://schemas.microsoft.com/office/drawing/2014/main" id="{D6AFA4A1-2775-4877-916F-BA89D8FFF19B}"/>
               </a:ext>
             </a:extLst>
           </p:cNvPr>
@@ -2822,7 +2822,7 @@
           <p:cNvPr id="3" name="Текст 2">
             <a:extLst>
               <a:ext uri="{FF2B5EF4-FFF2-40B4-BE49-F238E27FC236}">
-                <a16:creationId xmlns:a16="http://schemas.microsoft.com/office/drawing/2014/main" xmlns="" id="{27D49F42-D1E3-4262-AFFC-488D1F18D62B}"/>
+                <a16:creationId xmlns="" xmlns:a16="http://schemas.microsoft.com/office/drawing/2014/main" id="{27D49F42-D1E3-4262-AFFC-488D1F18D62B}"/>
               </a:ext>
             </a:extLst>
           </p:cNvPr>
@@ -2889,7 +2889,7 @@
           <p:cNvPr id="4" name="Дата 3">
             <a:extLst>
               <a:ext uri="{FF2B5EF4-FFF2-40B4-BE49-F238E27FC236}">
-                <a16:creationId xmlns:a16="http://schemas.microsoft.com/office/drawing/2014/main" xmlns="" id="{3C9D4697-BAAD-4941-A90A-30D45947D310}"/>
+                <a16:creationId xmlns="" xmlns:a16="http://schemas.microsoft.com/office/drawing/2014/main" id="{3C9D4697-BAAD-4941-A90A-30D45947D310}"/>
               </a:ext>
             </a:extLst>
           </p:cNvPr>
@@ -2936,7 +2936,7 @@
           <p:cNvPr id="5" name="Нижний колонтитул 4">
             <a:extLst>
               <a:ext uri="{FF2B5EF4-FFF2-40B4-BE49-F238E27FC236}">
-                <a16:creationId xmlns:a16="http://schemas.microsoft.com/office/drawing/2014/main" xmlns="" id="{ECCE3C9B-B56D-43C1-B2DF-3AAA8FA918BB}"/>
+                <a16:creationId xmlns="" xmlns:a16="http://schemas.microsoft.com/office/drawing/2014/main" id="{ECCE3C9B-B56D-43C1-B2DF-3AAA8FA918BB}"/>
               </a:ext>
             </a:extLst>
           </p:cNvPr>
@@ -2979,7 +2979,7 @@
           <p:cNvPr id="6" name="Номер слайда 5">
             <a:extLst>
               <a:ext uri="{FF2B5EF4-FFF2-40B4-BE49-F238E27FC236}">
-                <a16:creationId xmlns:a16="http://schemas.microsoft.com/office/drawing/2014/main" xmlns="" id="{2C6E8D84-7261-45BE-9ADE-51AEE7831C97}"/>
+                <a16:creationId xmlns="" xmlns:a16="http://schemas.microsoft.com/office/drawing/2014/main" id="{2C6E8D84-7261-45BE-9ADE-51AEE7831C97}"/>
               </a:ext>
             </a:extLst>
           </p:cNvPr>
@@ -3347,7 +3347,7 @@
           <p:cNvPr id="4" name="Рисунок 3">
             <a:extLst>
               <a:ext uri="{FF2B5EF4-FFF2-40B4-BE49-F238E27FC236}">
-                <a16:creationId xmlns:a16="http://schemas.microsoft.com/office/drawing/2014/main" xmlns="" id="{F21520A4-1B49-458C-BFCF-B9285162CF63}"/>
+                <a16:creationId xmlns="" xmlns:a16="http://schemas.microsoft.com/office/drawing/2014/main" id="{F21520A4-1B49-458C-BFCF-B9285162CF63}"/>
               </a:ext>
             </a:extLst>
           </p:cNvPr>
@@ -3383,7 +3383,7 @@
           <p:cNvPr id="2" name="Заголовок 1">
             <a:extLst>
               <a:ext uri="{FF2B5EF4-FFF2-40B4-BE49-F238E27FC236}">
-                <a16:creationId xmlns:a16="http://schemas.microsoft.com/office/drawing/2014/main" xmlns="" id="{17F831DF-3C79-4999-AD54-28D4519F8916}"/>
+                <a16:creationId xmlns="" xmlns:a16="http://schemas.microsoft.com/office/drawing/2014/main" id="{17F831DF-3C79-4999-AD54-28D4519F8916}"/>
               </a:ext>
             </a:extLst>
           </p:cNvPr>
@@ -3430,7 +3430,7 @@
           <p:cNvPr id="3" name="Подзаголовок 2">
             <a:extLst>
               <a:ext uri="{FF2B5EF4-FFF2-40B4-BE49-F238E27FC236}">
-                <a16:creationId xmlns:a16="http://schemas.microsoft.com/office/drawing/2014/main" xmlns="" id="{1882DB07-AD4C-4408-82E2-1C9E307E4893}"/>
+                <a16:creationId xmlns="" xmlns:a16="http://schemas.microsoft.com/office/drawing/2014/main" id="{1882DB07-AD4C-4408-82E2-1C9E307E4893}"/>
               </a:ext>
             </a:extLst>
           </p:cNvPr>
@@ -3490,7 +3490,7 @@
           <p:cNvPr id="8" name="Рисунок 7">
             <a:extLst>
               <a:ext uri="{FF2B5EF4-FFF2-40B4-BE49-F238E27FC236}">
-                <a16:creationId xmlns:a16="http://schemas.microsoft.com/office/drawing/2014/main" xmlns="" id="{07319A58-6F3C-4C13-A62F-76B5F224B12E}"/>
+                <a16:creationId xmlns="" xmlns:a16="http://schemas.microsoft.com/office/drawing/2014/main" id="{07319A58-6F3C-4C13-A62F-76B5F224B12E}"/>
               </a:ext>
             </a:extLst>
           </p:cNvPr>
@@ -3526,7 +3526,7 @@
           <p:cNvPr id="10" name="Рисунок 9">
             <a:extLst>
               <a:ext uri="{FF2B5EF4-FFF2-40B4-BE49-F238E27FC236}">
-                <a16:creationId xmlns:a16="http://schemas.microsoft.com/office/drawing/2014/main" xmlns="" id="{C9B8A4B7-D451-40D9-A66A-50D226DCCC11}"/>
+                <a16:creationId xmlns="" xmlns:a16="http://schemas.microsoft.com/office/drawing/2014/main" id="{C9B8A4B7-D451-40D9-A66A-50D226DCCC11}"/>
               </a:ext>
             </a:extLst>
           </p:cNvPr>
@@ -3574,6 +3574,13 @@
   <p:clrMapOvr>
     <a:masterClrMapping/>
   </p:clrMapOvr>
+  <p:timing>
+    <p:tnLst>
+      <p:par>
+        <p:cTn id="1" dur="indefinite" restart="never" nodeType="tmRoot"/>
+      </p:par>
+    </p:tnLst>
+  </p:timing>
 </p:sld>
 </file>
 
@@ -3599,7 +3606,7 @@
           <p:cNvPr id="4" name="Рисунок 3">
             <a:extLst>
               <a:ext uri="{FF2B5EF4-FFF2-40B4-BE49-F238E27FC236}">
-                <a16:creationId xmlns:a16="http://schemas.microsoft.com/office/drawing/2014/main" xmlns="" id="{F21520A4-1B49-458C-BFCF-B9285162CF63}"/>
+                <a16:creationId xmlns="" xmlns:a16="http://schemas.microsoft.com/office/drawing/2014/main" id="{F21520A4-1B49-458C-BFCF-B9285162CF63}"/>
               </a:ext>
             </a:extLst>
           </p:cNvPr>
@@ -3635,7 +3642,7 @@
           <p:cNvPr id="8" name="Рисунок 7">
             <a:extLst>
               <a:ext uri="{FF2B5EF4-FFF2-40B4-BE49-F238E27FC236}">
-                <a16:creationId xmlns:a16="http://schemas.microsoft.com/office/drawing/2014/main" xmlns="" id="{07319A58-6F3C-4C13-A62F-76B5F224B12E}"/>
+                <a16:creationId xmlns="" xmlns:a16="http://schemas.microsoft.com/office/drawing/2014/main" id="{07319A58-6F3C-4C13-A62F-76B5F224B12E}"/>
               </a:ext>
             </a:extLst>
           </p:cNvPr>
@@ -3671,7 +3678,7 @@
           <p:cNvPr id="10" name="Рисунок 9">
             <a:extLst>
               <a:ext uri="{FF2B5EF4-FFF2-40B4-BE49-F238E27FC236}">
-                <a16:creationId xmlns:a16="http://schemas.microsoft.com/office/drawing/2014/main" xmlns="" id="{C9B8A4B7-D451-40D9-A66A-50D226DCCC11}"/>
+                <a16:creationId xmlns="" xmlns:a16="http://schemas.microsoft.com/office/drawing/2014/main" id="{C9B8A4B7-D451-40D9-A66A-50D226DCCC11}"/>
               </a:ext>
             </a:extLst>
           </p:cNvPr>
@@ -3714,7 +3721,7 @@
           <p:cNvPr id="6" name="Заголовок 5">
             <a:extLst>
               <a:ext uri="{FF2B5EF4-FFF2-40B4-BE49-F238E27FC236}">
-                <a16:creationId xmlns:a16="http://schemas.microsoft.com/office/drawing/2014/main" xmlns="" id="{B30030E3-9BF5-46A4-B4A7-AAD8BDCBC091}"/>
+                <a16:creationId xmlns="" xmlns:a16="http://schemas.microsoft.com/office/drawing/2014/main" id="{B30030E3-9BF5-46A4-B4A7-AAD8BDCBC091}"/>
               </a:ext>
             </a:extLst>
           </p:cNvPr>
@@ -3761,7 +3768,7 @@
           <p:cNvPr id="7" name="Рисунок 6">
             <a:extLst>
               <a:ext uri="{FF2B5EF4-FFF2-40B4-BE49-F238E27FC236}">
-                <a16:creationId xmlns:a16="http://schemas.microsoft.com/office/drawing/2014/main" xmlns="" id="{6AF784EC-4449-4A22-A322-B7C556535083}"/>
+                <a16:creationId xmlns="" xmlns:a16="http://schemas.microsoft.com/office/drawing/2014/main" id="{6AF784EC-4449-4A22-A322-B7C556535083}"/>
               </a:ext>
             </a:extLst>
           </p:cNvPr>
@@ -3796,6 +3803,13 @@
   <p:clrMapOvr>
     <a:masterClrMapping/>
   </p:clrMapOvr>
+  <p:timing>
+    <p:tnLst>
+      <p:par>
+        <p:cTn id="1" dur="indefinite" restart="never" nodeType="tmRoot"/>
+      </p:par>
+    </p:tnLst>
+  </p:timing>
 </p:sld>
 </file>
 
@@ -3821,7 +3835,7 @@
           <p:cNvPr id="4" name="Рисунок 3">
             <a:extLst>
               <a:ext uri="{FF2B5EF4-FFF2-40B4-BE49-F238E27FC236}">
-                <a16:creationId xmlns:a16="http://schemas.microsoft.com/office/drawing/2014/main" xmlns="" id="{F21520A4-1B49-458C-BFCF-B9285162CF63}"/>
+                <a16:creationId xmlns="" xmlns:a16="http://schemas.microsoft.com/office/drawing/2014/main" id="{F21520A4-1B49-458C-BFCF-B9285162CF63}"/>
               </a:ext>
             </a:extLst>
           </p:cNvPr>
@@ -3857,7 +3871,7 @@
           <p:cNvPr id="8" name="Рисунок 7">
             <a:extLst>
               <a:ext uri="{FF2B5EF4-FFF2-40B4-BE49-F238E27FC236}">
-                <a16:creationId xmlns:a16="http://schemas.microsoft.com/office/drawing/2014/main" xmlns="" id="{07319A58-6F3C-4C13-A62F-76B5F224B12E}"/>
+                <a16:creationId xmlns="" xmlns:a16="http://schemas.microsoft.com/office/drawing/2014/main" id="{07319A58-6F3C-4C13-A62F-76B5F224B12E}"/>
               </a:ext>
             </a:extLst>
           </p:cNvPr>
@@ -3893,7 +3907,7 @@
           <p:cNvPr id="10" name="Рисунок 9">
             <a:extLst>
               <a:ext uri="{FF2B5EF4-FFF2-40B4-BE49-F238E27FC236}">
-                <a16:creationId xmlns:a16="http://schemas.microsoft.com/office/drawing/2014/main" xmlns="" id="{C9B8A4B7-D451-40D9-A66A-50D226DCCC11}"/>
+                <a16:creationId xmlns="" xmlns:a16="http://schemas.microsoft.com/office/drawing/2014/main" id="{C9B8A4B7-D451-40D9-A66A-50D226DCCC11}"/>
               </a:ext>
             </a:extLst>
           </p:cNvPr>
@@ -3936,7 +3950,7 @@
           <p:cNvPr id="6" name="Заголовок 5">
             <a:extLst>
               <a:ext uri="{FF2B5EF4-FFF2-40B4-BE49-F238E27FC236}">
-                <a16:creationId xmlns:a16="http://schemas.microsoft.com/office/drawing/2014/main" xmlns="" id="{B30030E3-9BF5-46A4-B4A7-AAD8BDCBC091}"/>
+                <a16:creationId xmlns="" xmlns:a16="http://schemas.microsoft.com/office/drawing/2014/main" id="{B30030E3-9BF5-46A4-B4A7-AAD8BDCBC091}"/>
               </a:ext>
             </a:extLst>
           </p:cNvPr>
@@ -3983,7 +3997,7 @@
           <p:cNvPr id="2" name="Рисунок 1">
             <a:extLst>
               <a:ext uri="{FF2B5EF4-FFF2-40B4-BE49-F238E27FC236}">
-                <a16:creationId xmlns:a16="http://schemas.microsoft.com/office/drawing/2014/main" xmlns="" id="{387F1FCC-10D0-47D7-963B-11BC3A952EDD}"/>
+                <a16:creationId xmlns="" xmlns:a16="http://schemas.microsoft.com/office/drawing/2014/main" id="{387F1FCC-10D0-47D7-963B-11BC3A952EDD}"/>
               </a:ext>
             </a:extLst>
           </p:cNvPr>
@@ -4018,6 +4032,13 @@
   <p:clrMapOvr>
     <a:masterClrMapping/>
   </p:clrMapOvr>
+  <p:timing>
+    <p:tnLst>
+      <p:par>
+        <p:cTn id="1" dur="indefinite" restart="never" nodeType="tmRoot"/>
+      </p:par>
+    </p:tnLst>
+  </p:timing>
 </p:sld>
 </file>
 
@@ -4043,7 +4064,7 @@
           <p:cNvPr id="4" name="Рисунок 3">
             <a:extLst>
               <a:ext uri="{FF2B5EF4-FFF2-40B4-BE49-F238E27FC236}">
-                <a16:creationId xmlns:a16="http://schemas.microsoft.com/office/drawing/2014/main" xmlns="" id="{F21520A4-1B49-458C-BFCF-B9285162CF63}"/>
+                <a16:creationId xmlns="" xmlns:a16="http://schemas.microsoft.com/office/drawing/2014/main" id="{F21520A4-1B49-458C-BFCF-B9285162CF63}"/>
               </a:ext>
             </a:extLst>
           </p:cNvPr>
@@ -4079,7 +4100,7 @@
           <p:cNvPr id="8" name="Рисунок 7">
             <a:extLst>
               <a:ext uri="{FF2B5EF4-FFF2-40B4-BE49-F238E27FC236}">
-                <a16:creationId xmlns:a16="http://schemas.microsoft.com/office/drawing/2014/main" xmlns="" id="{07319A58-6F3C-4C13-A62F-76B5F224B12E}"/>
+                <a16:creationId xmlns="" xmlns:a16="http://schemas.microsoft.com/office/drawing/2014/main" id="{07319A58-6F3C-4C13-A62F-76B5F224B12E}"/>
               </a:ext>
             </a:extLst>
           </p:cNvPr>
@@ -4115,7 +4136,7 @@
           <p:cNvPr id="10" name="Рисунок 9">
             <a:extLst>
               <a:ext uri="{FF2B5EF4-FFF2-40B4-BE49-F238E27FC236}">
-                <a16:creationId xmlns:a16="http://schemas.microsoft.com/office/drawing/2014/main" xmlns="" id="{C9B8A4B7-D451-40D9-A66A-50D226DCCC11}"/>
+                <a16:creationId xmlns="" xmlns:a16="http://schemas.microsoft.com/office/drawing/2014/main" id="{C9B8A4B7-D451-40D9-A66A-50D226DCCC11}"/>
               </a:ext>
             </a:extLst>
           </p:cNvPr>
@@ -4158,7 +4179,7 @@
           <p:cNvPr id="3" name="Рисунок 2">
             <a:extLst>
               <a:ext uri="{FF2B5EF4-FFF2-40B4-BE49-F238E27FC236}">
-                <a16:creationId xmlns:a16="http://schemas.microsoft.com/office/drawing/2014/main" xmlns="" id="{7965351D-C18E-4460-AA3B-2B14B072AC87}"/>
+                <a16:creationId xmlns="" xmlns:a16="http://schemas.microsoft.com/office/drawing/2014/main" id="{7965351D-C18E-4460-AA3B-2B14B072AC87}"/>
               </a:ext>
             </a:extLst>
           </p:cNvPr>
@@ -4188,7 +4209,7 @@
           <p:cNvPr id="6" name="Заголовок 5">
             <a:extLst>
               <a:ext uri="{FF2B5EF4-FFF2-40B4-BE49-F238E27FC236}">
-                <a16:creationId xmlns:a16="http://schemas.microsoft.com/office/drawing/2014/main" xmlns="" id="{B30030E3-9BF5-46A4-B4A7-AAD8BDCBC091}"/>
+                <a16:creationId xmlns="" xmlns:a16="http://schemas.microsoft.com/office/drawing/2014/main" id="{B30030E3-9BF5-46A4-B4A7-AAD8BDCBC091}"/>
               </a:ext>
             </a:extLst>
           </p:cNvPr>
@@ -4269,6 +4290,13 @@
   <p:clrMapOvr>
     <a:masterClrMapping/>
   </p:clrMapOvr>
+  <p:timing>
+    <p:tnLst>
+      <p:par>
+        <p:cTn id="1" dur="indefinite" restart="never" nodeType="tmRoot"/>
+      </p:par>
+    </p:tnLst>
+  </p:timing>
 </p:sld>
 </file>
 
@@ -4294,7 +4322,7 @@
           <p:cNvPr id="4" name="Рисунок 3">
             <a:extLst>
               <a:ext uri="{FF2B5EF4-FFF2-40B4-BE49-F238E27FC236}">
-                <a16:creationId xmlns:a16="http://schemas.microsoft.com/office/drawing/2014/main" xmlns="" id="{F21520A4-1B49-458C-BFCF-B9285162CF63}"/>
+                <a16:creationId xmlns="" xmlns:a16="http://schemas.microsoft.com/office/drawing/2014/main" id="{F21520A4-1B49-458C-BFCF-B9285162CF63}"/>
               </a:ext>
             </a:extLst>
           </p:cNvPr>
@@ -4330,7 +4358,7 @@
           <p:cNvPr id="8" name="Рисунок 7">
             <a:extLst>
               <a:ext uri="{FF2B5EF4-FFF2-40B4-BE49-F238E27FC236}">
-                <a16:creationId xmlns:a16="http://schemas.microsoft.com/office/drawing/2014/main" xmlns="" id="{07319A58-6F3C-4C13-A62F-76B5F224B12E}"/>
+                <a16:creationId xmlns="" xmlns:a16="http://schemas.microsoft.com/office/drawing/2014/main" id="{07319A58-6F3C-4C13-A62F-76B5F224B12E}"/>
               </a:ext>
             </a:extLst>
           </p:cNvPr>
@@ -4366,7 +4394,7 @@
           <p:cNvPr id="10" name="Рисунок 9">
             <a:extLst>
               <a:ext uri="{FF2B5EF4-FFF2-40B4-BE49-F238E27FC236}">
-                <a16:creationId xmlns:a16="http://schemas.microsoft.com/office/drawing/2014/main" xmlns="" id="{C9B8A4B7-D451-40D9-A66A-50D226DCCC11}"/>
+                <a16:creationId xmlns="" xmlns:a16="http://schemas.microsoft.com/office/drawing/2014/main" id="{C9B8A4B7-D451-40D9-A66A-50D226DCCC11}"/>
               </a:ext>
             </a:extLst>
           </p:cNvPr>
@@ -4409,7 +4437,7 @@
           <p:cNvPr id="6" name="Заголовок 5">
             <a:extLst>
               <a:ext uri="{FF2B5EF4-FFF2-40B4-BE49-F238E27FC236}">
-                <a16:creationId xmlns:a16="http://schemas.microsoft.com/office/drawing/2014/main" xmlns="" id="{B30030E3-9BF5-46A4-B4A7-AAD8BDCBC091}"/>
+                <a16:creationId xmlns="" xmlns:a16="http://schemas.microsoft.com/office/drawing/2014/main" id="{B30030E3-9BF5-46A4-B4A7-AAD8BDCBC091}"/>
               </a:ext>
             </a:extLst>
           </p:cNvPr>
@@ -4456,7 +4484,7 @@
           <p:cNvPr id="7" name="Picture 8">
             <a:extLst>
               <a:ext uri="{FF2B5EF4-FFF2-40B4-BE49-F238E27FC236}">
-                <a16:creationId xmlns:a16="http://schemas.microsoft.com/office/drawing/2014/main" xmlns="" id="{C2F39173-A92F-4BCB-88CC-D442684F33A3}"/>
+                <a16:creationId xmlns="" xmlns:a16="http://schemas.microsoft.com/office/drawing/2014/main" id="{C2F39173-A92F-4BCB-88CC-D442684F33A3}"/>
               </a:ext>
             </a:extLst>
           </p:cNvPr>
@@ -4495,7 +4523,7 @@
           <p:cNvPr id="9" name="Picture 9">
             <a:extLst>
               <a:ext uri="{FF2B5EF4-FFF2-40B4-BE49-F238E27FC236}">
-                <a16:creationId xmlns:a16="http://schemas.microsoft.com/office/drawing/2014/main" xmlns="" id="{72B714BD-1608-4F68-9215-266AEAE15EEB}"/>
+                <a16:creationId xmlns="" xmlns:a16="http://schemas.microsoft.com/office/drawing/2014/main" id="{72B714BD-1608-4F68-9215-266AEAE15EEB}"/>
               </a:ext>
             </a:extLst>
           </p:cNvPr>
@@ -4534,7 +4562,7 @@
           <p:cNvPr id="11" name="TextBox 10">
             <a:extLst>
               <a:ext uri="{FF2B5EF4-FFF2-40B4-BE49-F238E27FC236}">
-                <a16:creationId xmlns:a16="http://schemas.microsoft.com/office/drawing/2014/main" xmlns="" id="{449E532B-16F5-4769-9C34-F79BE4F32E1E}"/>
+                <a16:creationId xmlns="" xmlns:a16="http://schemas.microsoft.com/office/drawing/2014/main" id="{449E532B-16F5-4769-9C34-F79BE4F32E1E}"/>
               </a:ext>
             </a:extLst>
           </p:cNvPr>
@@ -4595,7 +4623,7 @@
           <p:cNvPr id="12" name="TextBox 11">
             <a:extLst>
               <a:ext uri="{FF2B5EF4-FFF2-40B4-BE49-F238E27FC236}">
-                <a16:creationId xmlns:a16="http://schemas.microsoft.com/office/drawing/2014/main" xmlns="" id="{FDF5A564-18AF-4B0A-AEB6-703A8858EFCC}"/>
+                <a16:creationId xmlns="" xmlns:a16="http://schemas.microsoft.com/office/drawing/2014/main" id="{FDF5A564-18AF-4B0A-AEB6-703A8858EFCC}"/>
               </a:ext>
             </a:extLst>
           </p:cNvPr>
@@ -4904,7 +4932,7 @@
           <p:cNvPr id="4" name="Рисунок 3">
             <a:extLst>
               <a:ext uri="{FF2B5EF4-FFF2-40B4-BE49-F238E27FC236}">
-                <a16:creationId xmlns:a16="http://schemas.microsoft.com/office/drawing/2014/main" xmlns="" id="{F21520A4-1B49-458C-BFCF-B9285162CF63}"/>
+                <a16:creationId xmlns="" xmlns:a16="http://schemas.microsoft.com/office/drawing/2014/main" id="{F21520A4-1B49-458C-BFCF-B9285162CF63}"/>
               </a:ext>
             </a:extLst>
           </p:cNvPr>
@@ -4940,7 +4968,7 @@
           <p:cNvPr id="13" name="Picture 10">
             <a:extLst>
               <a:ext uri="{FF2B5EF4-FFF2-40B4-BE49-F238E27FC236}">
-                <a16:creationId xmlns:a16="http://schemas.microsoft.com/office/drawing/2014/main" xmlns="" id="{FEB3B25D-7B06-45E8-BA23-7DD1B6FE1584}"/>
+                <a16:creationId xmlns="" xmlns:a16="http://schemas.microsoft.com/office/drawing/2014/main" id="{FEB3B25D-7B06-45E8-BA23-7DD1B6FE1584}"/>
               </a:ext>
             </a:extLst>
           </p:cNvPr>
@@ -4979,7 +5007,7 @@
           <p:cNvPr id="8" name="Рисунок 7">
             <a:extLst>
               <a:ext uri="{FF2B5EF4-FFF2-40B4-BE49-F238E27FC236}">
-                <a16:creationId xmlns:a16="http://schemas.microsoft.com/office/drawing/2014/main" xmlns="" id="{07319A58-6F3C-4C13-A62F-76B5F224B12E}"/>
+                <a16:creationId xmlns="" xmlns:a16="http://schemas.microsoft.com/office/drawing/2014/main" id="{07319A58-6F3C-4C13-A62F-76B5F224B12E}"/>
               </a:ext>
             </a:extLst>
           </p:cNvPr>
@@ -5015,7 +5043,7 @@
           <p:cNvPr id="10" name="Рисунок 9">
             <a:extLst>
               <a:ext uri="{FF2B5EF4-FFF2-40B4-BE49-F238E27FC236}">
-                <a16:creationId xmlns:a16="http://schemas.microsoft.com/office/drawing/2014/main" xmlns="" id="{C9B8A4B7-D451-40D9-A66A-50D226DCCC11}"/>
+                <a16:creationId xmlns="" xmlns:a16="http://schemas.microsoft.com/office/drawing/2014/main" id="{C9B8A4B7-D451-40D9-A66A-50D226DCCC11}"/>
               </a:ext>
             </a:extLst>
           </p:cNvPr>
@@ -5058,7 +5086,7 @@
           <p:cNvPr id="6" name="Заголовок 5">
             <a:extLst>
               <a:ext uri="{FF2B5EF4-FFF2-40B4-BE49-F238E27FC236}">
-                <a16:creationId xmlns:a16="http://schemas.microsoft.com/office/drawing/2014/main" xmlns="" id="{B30030E3-9BF5-46A4-B4A7-AAD8BDCBC091}"/>
+                <a16:creationId xmlns="" xmlns:a16="http://schemas.microsoft.com/office/drawing/2014/main" id="{B30030E3-9BF5-46A4-B4A7-AAD8BDCBC091}"/>
               </a:ext>
             </a:extLst>
           </p:cNvPr>
@@ -5105,7 +5133,7 @@
           <p:cNvPr id="11" name="TextBox 10">
             <a:extLst>
               <a:ext uri="{FF2B5EF4-FFF2-40B4-BE49-F238E27FC236}">
-                <a16:creationId xmlns:a16="http://schemas.microsoft.com/office/drawing/2014/main" xmlns="" id="{449E532B-16F5-4769-9C34-F79BE4F32E1E}"/>
+                <a16:creationId xmlns="" xmlns:a16="http://schemas.microsoft.com/office/drawing/2014/main" id="{449E532B-16F5-4769-9C34-F79BE4F32E1E}"/>
               </a:ext>
             </a:extLst>
           </p:cNvPr>
@@ -5145,7 +5173,7 @@
           <p:cNvPr id="12" name="TextBox 11">
             <a:extLst>
               <a:ext uri="{FF2B5EF4-FFF2-40B4-BE49-F238E27FC236}">
-                <a16:creationId xmlns:a16="http://schemas.microsoft.com/office/drawing/2014/main" xmlns="" id="{FDF5A564-18AF-4B0A-AEB6-703A8858EFCC}"/>
+                <a16:creationId xmlns="" xmlns:a16="http://schemas.microsoft.com/office/drawing/2014/main" id="{FDF5A564-18AF-4B0A-AEB6-703A8858EFCC}"/>
               </a:ext>
             </a:extLst>
           </p:cNvPr>
@@ -5212,7 +5240,7 @@
           <p:cNvPr id="16" name="Picture 14">
             <a:extLst>
               <a:ext uri="{FF2B5EF4-FFF2-40B4-BE49-F238E27FC236}">
-                <a16:creationId xmlns:a16="http://schemas.microsoft.com/office/drawing/2014/main" xmlns="" id="{4220D94F-0A80-40E7-99BB-8B6886B76A8E}"/>
+                <a16:creationId xmlns="" xmlns:a16="http://schemas.microsoft.com/office/drawing/2014/main" id="{4220D94F-0A80-40E7-99BB-8B6886B76A8E}"/>
               </a:ext>
             </a:extLst>
           </p:cNvPr>
@@ -5491,7 +5519,7 @@
           <p:cNvPr id="4" name="Рисунок 3">
             <a:extLst>
               <a:ext uri="{FF2B5EF4-FFF2-40B4-BE49-F238E27FC236}">
-                <a16:creationId xmlns:a16="http://schemas.microsoft.com/office/drawing/2014/main" xmlns="" id="{F21520A4-1B49-458C-BFCF-B9285162CF63}"/>
+                <a16:creationId xmlns="" xmlns:a16="http://schemas.microsoft.com/office/drawing/2014/main" id="{F21520A4-1B49-458C-BFCF-B9285162CF63}"/>
               </a:ext>
             </a:extLst>
           </p:cNvPr>
@@ -5527,7 +5555,7 @@
           <p:cNvPr id="14" name="Picture 16">
             <a:extLst>
               <a:ext uri="{FF2B5EF4-FFF2-40B4-BE49-F238E27FC236}">
-                <a16:creationId xmlns:a16="http://schemas.microsoft.com/office/drawing/2014/main" xmlns="" id="{09D401E5-A8B6-49F7-A37D-6667925CB0FD}"/>
+                <a16:creationId xmlns="" xmlns:a16="http://schemas.microsoft.com/office/drawing/2014/main" id="{09D401E5-A8B6-49F7-A37D-6667925CB0FD}"/>
               </a:ext>
             </a:extLst>
           </p:cNvPr>
@@ -5566,7 +5594,7 @@
           <p:cNvPr id="13" name="Picture 15">
             <a:extLst>
               <a:ext uri="{FF2B5EF4-FFF2-40B4-BE49-F238E27FC236}">
-                <a16:creationId xmlns:a16="http://schemas.microsoft.com/office/drawing/2014/main" xmlns="" id="{CB1FF733-83F7-406D-9A07-63A8EB64C3E8}"/>
+                <a16:creationId xmlns="" xmlns:a16="http://schemas.microsoft.com/office/drawing/2014/main" id="{CB1FF733-83F7-406D-9A07-63A8EB64C3E8}"/>
               </a:ext>
             </a:extLst>
           </p:cNvPr>
@@ -5605,7 +5633,7 @@
           <p:cNvPr id="8" name="Рисунок 7">
             <a:extLst>
               <a:ext uri="{FF2B5EF4-FFF2-40B4-BE49-F238E27FC236}">
-                <a16:creationId xmlns:a16="http://schemas.microsoft.com/office/drawing/2014/main" xmlns="" id="{07319A58-6F3C-4C13-A62F-76B5F224B12E}"/>
+                <a16:creationId xmlns="" xmlns:a16="http://schemas.microsoft.com/office/drawing/2014/main" id="{07319A58-6F3C-4C13-A62F-76B5F224B12E}"/>
               </a:ext>
             </a:extLst>
           </p:cNvPr>
@@ -5641,7 +5669,7 @@
           <p:cNvPr id="10" name="Рисунок 9">
             <a:extLst>
               <a:ext uri="{FF2B5EF4-FFF2-40B4-BE49-F238E27FC236}">
-                <a16:creationId xmlns:a16="http://schemas.microsoft.com/office/drawing/2014/main" xmlns="" id="{C9B8A4B7-D451-40D9-A66A-50D226DCCC11}"/>
+                <a16:creationId xmlns="" xmlns:a16="http://schemas.microsoft.com/office/drawing/2014/main" id="{C9B8A4B7-D451-40D9-A66A-50D226DCCC11}"/>
               </a:ext>
             </a:extLst>
           </p:cNvPr>
@@ -5684,7 +5712,7 @@
           <p:cNvPr id="6" name="Заголовок 5">
             <a:extLst>
               <a:ext uri="{FF2B5EF4-FFF2-40B4-BE49-F238E27FC236}">
-                <a16:creationId xmlns:a16="http://schemas.microsoft.com/office/drawing/2014/main" xmlns="" id="{B30030E3-9BF5-46A4-B4A7-AAD8BDCBC091}"/>
+                <a16:creationId xmlns="" xmlns:a16="http://schemas.microsoft.com/office/drawing/2014/main" id="{B30030E3-9BF5-46A4-B4A7-AAD8BDCBC091}"/>
               </a:ext>
             </a:extLst>
           </p:cNvPr>
@@ -5731,7 +5759,7 @@
           <p:cNvPr id="11" name="TextBox 10">
             <a:extLst>
               <a:ext uri="{FF2B5EF4-FFF2-40B4-BE49-F238E27FC236}">
-                <a16:creationId xmlns:a16="http://schemas.microsoft.com/office/drawing/2014/main" xmlns="" id="{449E532B-16F5-4769-9C34-F79BE4F32E1E}"/>
+                <a16:creationId xmlns="" xmlns:a16="http://schemas.microsoft.com/office/drawing/2014/main" id="{449E532B-16F5-4769-9C34-F79BE4F32E1E}"/>
               </a:ext>
             </a:extLst>
           </p:cNvPr>
@@ -5787,7 +5815,7 @@
           <p:cNvPr id="12" name="TextBox 11">
             <a:extLst>
               <a:ext uri="{FF2B5EF4-FFF2-40B4-BE49-F238E27FC236}">
-                <a16:creationId xmlns:a16="http://schemas.microsoft.com/office/drawing/2014/main" xmlns="" id="{FDF5A564-18AF-4B0A-AEB6-703A8858EFCC}"/>
+                <a16:creationId xmlns="" xmlns:a16="http://schemas.microsoft.com/office/drawing/2014/main" id="{FDF5A564-18AF-4B0A-AEB6-703A8858EFCC}"/>
               </a:ext>
             </a:extLst>
           </p:cNvPr>
@@ -6067,7 +6095,7 @@
           <p:cNvPr id="4" name="Рисунок 3">
             <a:extLst>
               <a:ext uri="{FF2B5EF4-FFF2-40B4-BE49-F238E27FC236}">
-                <a16:creationId xmlns:a16="http://schemas.microsoft.com/office/drawing/2014/main" xmlns="" id="{F21520A4-1B49-458C-BFCF-B9285162CF63}"/>
+                <a16:creationId xmlns="" xmlns:a16="http://schemas.microsoft.com/office/drawing/2014/main" id="{F21520A4-1B49-458C-BFCF-B9285162CF63}"/>
               </a:ext>
             </a:extLst>
           </p:cNvPr>
@@ -6103,7 +6131,7 @@
           <p:cNvPr id="14" name="Picture 18">
             <a:extLst>
               <a:ext uri="{FF2B5EF4-FFF2-40B4-BE49-F238E27FC236}">
-                <a16:creationId xmlns:a16="http://schemas.microsoft.com/office/drawing/2014/main" xmlns="" id="{BA2A447B-B4D5-433D-A8CC-6E7C84F790EE}"/>
+                <a16:creationId xmlns="" xmlns:a16="http://schemas.microsoft.com/office/drawing/2014/main" id="{BA2A447B-B4D5-433D-A8CC-6E7C84F790EE}"/>
               </a:ext>
             </a:extLst>
           </p:cNvPr>
@@ -6142,7 +6170,7 @@
           <p:cNvPr id="13" name="Picture 17">
             <a:extLst>
               <a:ext uri="{FF2B5EF4-FFF2-40B4-BE49-F238E27FC236}">
-                <a16:creationId xmlns:a16="http://schemas.microsoft.com/office/drawing/2014/main" xmlns="" id="{F29EC367-3137-4C2B-910A-BFD18D8195E4}"/>
+                <a16:creationId xmlns="" xmlns:a16="http://schemas.microsoft.com/office/drawing/2014/main" id="{F29EC367-3137-4C2B-910A-BFD18D8195E4}"/>
               </a:ext>
             </a:extLst>
           </p:cNvPr>
@@ -6181,7 +6209,7 @@
           <p:cNvPr id="8" name="Рисунок 7">
             <a:extLst>
               <a:ext uri="{FF2B5EF4-FFF2-40B4-BE49-F238E27FC236}">
-                <a16:creationId xmlns:a16="http://schemas.microsoft.com/office/drawing/2014/main" xmlns="" id="{07319A58-6F3C-4C13-A62F-76B5F224B12E}"/>
+                <a16:creationId xmlns="" xmlns:a16="http://schemas.microsoft.com/office/drawing/2014/main" id="{07319A58-6F3C-4C13-A62F-76B5F224B12E}"/>
               </a:ext>
             </a:extLst>
           </p:cNvPr>
@@ -6217,7 +6245,7 @@
           <p:cNvPr id="10" name="Рисунок 9">
             <a:extLst>
               <a:ext uri="{FF2B5EF4-FFF2-40B4-BE49-F238E27FC236}">
-                <a16:creationId xmlns:a16="http://schemas.microsoft.com/office/drawing/2014/main" xmlns="" id="{C9B8A4B7-D451-40D9-A66A-50D226DCCC11}"/>
+                <a16:creationId xmlns="" xmlns:a16="http://schemas.microsoft.com/office/drawing/2014/main" id="{C9B8A4B7-D451-40D9-A66A-50D226DCCC11}"/>
               </a:ext>
             </a:extLst>
           </p:cNvPr>
@@ -6260,7 +6288,7 @@
           <p:cNvPr id="6" name="Заголовок 5">
             <a:extLst>
               <a:ext uri="{FF2B5EF4-FFF2-40B4-BE49-F238E27FC236}">
-                <a16:creationId xmlns:a16="http://schemas.microsoft.com/office/drawing/2014/main" xmlns="" id="{B30030E3-9BF5-46A4-B4A7-AAD8BDCBC091}"/>
+                <a16:creationId xmlns="" xmlns:a16="http://schemas.microsoft.com/office/drawing/2014/main" id="{B30030E3-9BF5-46A4-B4A7-AAD8BDCBC091}"/>
               </a:ext>
             </a:extLst>
           </p:cNvPr>
@@ -6307,7 +6335,7 @@
           <p:cNvPr id="11" name="TextBox 10">
             <a:extLst>
               <a:ext uri="{FF2B5EF4-FFF2-40B4-BE49-F238E27FC236}">
-                <a16:creationId xmlns:a16="http://schemas.microsoft.com/office/drawing/2014/main" xmlns="" id="{449E532B-16F5-4769-9C34-F79BE4F32E1E}"/>
+                <a16:creationId xmlns="" xmlns:a16="http://schemas.microsoft.com/office/drawing/2014/main" id="{449E532B-16F5-4769-9C34-F79BE4F32E1E}"/>
               </a:ext>
             </a:extLst>
           </p:cNvPr>
@@ -6347,7 +6375,7 @@
           <p:cNvPr id="12" name="TextBox 11">
             <a:extLst>
               <a:ext uri="{FF2B5EF4-FFF2-40B4-BE49-F238E27FC236}">
-                <a16:creationId xmlns:a16="http://schemas.microsoft.com/office/drawing/2014/main" xmlns="" id="{FDF5A564-18AF-4B0A-AEB6-703A8858EFCC}"/>
+                <a16:creationId xmlns="" xmlns:a16="http://schemas.microsoft.com/office/drawing/2014/main" id="{FDF5A564-18AF-4B0A-AEB6-703A8858EFCC}"/>
               </a:ext>
             </a:extLst>
           </p:cNvPr>
@@ -6357,7 +6385,7 @@
         <p:spPr>
           <a:xfrm>
             <a:off x="7296762" y="2518224"/>
-            <a:ext cx="3183626" cy="646331"/>
+            <a:ext cx="3183626" cy="923330"/>
           </a:xfrm>
           <a:prstGeom prst="rect">
             <a:avLst/>
@@ -6377,8 +6405,21 @@
                   <a:srgbClr val="5256FA"/>
                 </a:solidFill>
               </a:rPr>
-              <a:t>с увеличенным масштабом графика</a:t>
+              <a:t>в</a:t>
             </a:r>
+            <a:r>
+              <a:rPr lang="ru-RU" dirty="0" smtClean="0">
+                <a:solidFill>
+                  <a:srgbClr val="5256FA"/>
+                </a:solidFill>
+              </a:rPr>
+              <a:t>озможность взаимодействовать с графиком</a:t>
+            </a:r>
+            <a:endParaRPr lang="ru-RU" dirty="0">
+              <a:solidFill>
+                <a:srgbClr val="5256FA"/>
+              </a:solidFill>
+            </a:endParaRPr>
           </a:p>
         </p:txBody>
       </p:sp>
@@ -6627,7 +6668,7 @@
           <p:cNvPr id="4" name="Рисунок 3">
             <a:extLst>
               <a:ext uri="{FF2B5EF4-FFF2-40B4-BE49-F238E27FC236}">
-                <a16:creationId xmlns:a16="http://schemas.microsoft.com/office/drawing/2014/main" xmlns="" id="{F21520A4-1B49-458C-BFCF-B9285162CF63}"/>
+                <a16:creationId xmlns="" xmlns:a16="http://schemas.microsoft.com/office/drawing/2014/main" id="{F21520A4-1B49-458C-BFCF-B9285162CF63}"/>
               </a:ext>
             </a:extLst>
           </p:cNvPr>
@@ -6663,7 +6704,7 @@
           <p:cNvPr id="8" name="Рисунок 7">
             <a:extLst>
               <a:ext uri="{FF2B5EF4-FFF2-40B4-BE49-F238E27FC236}">
-                <a16:creationId xmlns:a16="http://schemas.microsoft.com/office/drawing/2014/main" xmlns="" id="{07319A58-6F3C-4C13-A62F-76B5F224B12E}"/>
+                <a16:creationId xmlns="" xmlns:a16="http://schemas.microsoft.com/office/drawing/2014/main" id="{07319A58-6F3C-4C13-A62F-76B5F224B12E}"/>
               </a:ext>
             </a:extLst>
           </p:cNvPr>
@@ -6699,7 +6740,7 @@
           <p:cNvPr id="10" name="Рисунок 9">
             <a:extLst>
               <a:ext uri="{FF2B5EF4-FFF2-40B4-BE49-F238E27FC236}">
-                <a16:creationId xmlns:a16="http://schemas.microsoft.com/office/drawing/2014/main" xmlns="" id="{C9B8A4B7-D451-40D9-A66A-50D226DCCC11}"/>
+                <a16:creationId xmlns="" xmlns:a16="http://schemas.microsoft.com/office/drawing/2014/main" id="{C9B8A4B7-D451-40D9-A66A-50D226DCCC11}"/>
               </a:ext>
             </a:extLst>
           </p:cNvPr>
@@ -6742,7 +6783,7 @@
           <p:cNvPr id="6" name="Заголовок 5">
             <a:extLst>
               <a:ext uri="{FF2B5EF4-FFF2-40B4-BE49-F238E27FC236}">
-                <a16:creationId xmlns:a16="http://schemas.microsoft.com/office/drawing/2014/main" xmlns="" id="{B30030E3-9BF5-46A4-B4A7-AAD8BDCBC091}"/>
+                <a16:creationId xmlns="" xmlns:a16="http://schemas.microsoft.com/office/drawing/2014/main" id="{B30030E3-9BF5-46A4-B4A7-AAD8BDCBC091}"/>
               </a:ext>
             </a:extLst>
           </p:cNvPr>
@@ -6787,7 +6828,7 @@
           <p:cNvPr id="9" name="Подзаголовок 8">
             <a:extLst>
               <a:ext uri="{FF2B5EF4-FFF2-40B4-BE49-F238E27FC236}">
-                <a16:creationId xmlns:a16="http://schemas.microsoft.com/office/drawing/2014/main" xmlns="" id="{ED05381E-5982-4DD9-80F7-89E883D50A5B}"/>
+                <a16:creationId xmlns="" xmlns:a16="http://schemas.microsoft.com/office/drawing/2014/main" id="{ED05381E-5982-4DD9-80F7-89E883D50A5B}"/>
               </a:ext>
             </a:extLst>
           </p:cNvPr>
@@ -6951,7 +6992,7 @@
           <p:cNvPr id="4" name="Рисунок 3">
             <a:extLst>
               <a:ext uri="{FF2B5EF4-FFF2-40B4-BE49-F238E27FC236}">
-                <a16:creationId xmlns:a16="http://schemas.microsoft.com/office/drawing/2014/main" xmlns="" id="{F21520A4-1B49-458C-BFCF-B9285162CF63}"/>
+                <a16:creationId xmlns="" xmlns:a16="http://schemas.microsoft.com/office/drawing/2014/main" id="{F21520A4-1B49-458C-BFCF-B9285162CF63}"/>
               </a:ext>
             </a:extLst>
           </p:cNvPr>
@@ -6987,7 +7028,7 @@
           <p:cNvPr id="8" name="Рисунок 7">
             <a:extLst>
               <a:ext uri="{FF2B5EF4-FFF2-40B4-BE49-F238E27FC236}">
-                <a16:creationId xmlns:a16="http://schemas.microsoft.com/office/drawing/2014/main" xmlns="" id="{07319A58-6F3C-4C13-A62F-76B5F224B12E}"/>
+                <a16:creationId xmlns="" xmlns:a16="http://schemas.microsoft.com/office/drawing/2014/main" id="{07319A58-6F3C-4C13-A62F-76B5F224B12E}"/>
               </a:ext>
             </a:extLst>
           </p:cNvPr>
@@ -7023,7 +7064,7 @@
           <p:cNvPr id="10" name="Рисунок 9">
             <a:extLst>
               <a:ext uri="{FF2B5EF4-FFF2-40B4-BE49-F238E27FC236}">
-                <a16:creationId xmlns:a16="http://schemas.microsoft.com/office/drawing/2014/main" xmlns="" id="{C9B8A4B7-D451-40D9-A66A-50D226DCCC11}"/>
+                <a16:creationId xmlns="" xmlns:a16="http://schemas.microsoft.com/office/drawing/2014/main" id="{C9B8A4B7-D451-40D9-A66A-50D226DCCC11}"/>
               </a:ext>
             </a:extLst>
           </p:cNvPr>
@@ -7066,7 +7107,7 @@
           <p:cNvPr id="6" name="Заголовок 5">
             <a:extLst>
               <a:ext uri="{FF2B5EF4-FFF2-40B4-BE49-F238E27FC236}">
-                <a16:creationId xmlns:a16="http://schemas.microsoft.com/office/drawing/2014/main" xmlns="" id="{B30030E3-9BF5-46A4-B4A7-AAD8BDCBC091}"/>
+                <a16:creationId xmlns="" xmlns:a16="http://schemas.microsoft.com/office/drawing/2014/main" id="{B30030E3-9BF5-46A4-B4A7-AAD8BDCBC091}"/>
               </a:ext>
             </a:extLst>
           </p:cNvPr>
@@ -7111,7 +7152,7 @@
           <p:cNvPr id="9" name="Подзаголовок 8">
             <a:extLst>
               <a:ext uri="{FF2B5EF4-FFF2-40B4-BE49-F238E27FC236}">
-                <a16:creationId xmlns:a16="http://schemas.microsoft.com/office/drawing/2014/main" xmlns="" id="{ED05381E-5982-4DD9-80F7-89E883D50A5B}"/>
+                <a16:creationId xmlns="" xmlns:a16="http://schemas.microsoft.com/office/drawing/2014/main" id="{ED05381E-5982-4DD9-80F7-89E883D50A5B}"/>
               </a:ext>
             </a:extLst>
           </p:cNvPr>
@@ -7273,7 +7314,7 @@
           <p:cNvPr id="4" name="Рисунок 3">
             <a:extLst>
               <a:ext uri="{FF2B5EF4-FFF2-40B4-BE49-F238E27FC236}">
-                <a16:creationId xmlns:a16="http://schemas.microsoft.com/office/drawing/2014/main" xmlns="" id="{F21520A4-1B49-458C-BFCF-B9285162CF63}"/>
+                <a16:creationId xmlns="" xmlns:a16="http://schemas.microsoft.com/office/drawing/2014/main" id="{F21520A4-1B49-458C-BFCF-B9285162CF63}"/>
               </a:ext>
             </a:extLst>
           </p:cNvPr>
@@ -7309,7 +7350,7 @@
           <p:cNvPr id="8" name="Рисунок 7">
             <a:extLst>
               <a:ext uri="{FF2B5EF4-FFF2-40B4-BE49-F238E27FC236}">
-                <a16:creationId xmlns:a16="http://schemas.microsoft.com/office/drawing/2014/main" xmlns="" id="{07319A58-6F3C-4C13-A62F-76B5F224B12E}"/>
+                <a16:creationId xmlns="" xmlns:a16="http://schemas.microsoft.com/office/drawing/2014/main" id="{07319A58-6F3C-4C13-A62F-76B5F224B12E}"/>
               </a:ext>
             </a:extLst>
           </p:cNvPr>
@@ -7345,7 +7386,7 @@
           <p:cNvPr id="10" name="Рисунок 9">
             <a:extLst>
               <a:ext uri="{FF2B5EF4-FFF2-40B4-BE49-F238E27FC236}">
-                <a16:creationId xmlns:a16="http://schemas.microsoft.com/office/drawing/2014/main" xmlns="" id="{C9B8A4B7-D451-40D9-A66A-50D226DCCC11}"/>
+                <a16:creationId xmlns="" xmlns:a16="http://schemas.microsoft.com/office/drawing/2014/main" id="{C9B8A4B7-D451-40D9-A66A-50D226DCCC11}"/>
               </a:ext>
             </a:extLst>
           </p:cNvPr>
@@ -7388,7 +7429,7 @@
           <p:cNvPr id="6" name="Заголовок 5">
             <a:extLst>
               <a:ext uri="{FF2B5EF4-FFF2-40B4-BE49-F238E27FC236}">
-                <a16:creationId xmlns:a16="http://schemas.microsoft.com/office/drawing/2014/main" xmlns="" id="{B30030E3-9BF5-46A4-B4A7-AAD8BDCBC091}"/>
+                <a16:creationId xmlns="" xmlns:a16="http://schemas.microsoft.com/office/drawing/2014/main" id="{B30030E3-9BF5-46A4-B4A7-AAD8BDCBC091}"/>
               </a:ext>
             </a:extLst>
           </p:cNvPr>
@@ -7433,7 +7474,7 @@
           <p:cNvPr id="9" name="Подзаголовок 8">
             <a:extLst>
               <a:ext uri="{FF2B5EF4-FFF2-40B4-BE49-F238E27FC236}">
-                <a16:creationId xmlns:a16="http://schemas.microsoft.com/office/drawing/2014/main" xmlns="" id="{ED05381E-5982-4DD9-80F7-89E883D50A5B}"/>
+                <a16:creationId xmlns="" xmlns:a16="http://schemas.microsoft.com/office/drawing/2014/main" id="{ED05381E-5982-4DD9-80F7-89E883D50A5B}"/>
               </a:ext>
             </a:extLst>
           </p:cNvPr>
@@ -7476,7 +7517,7 @@
           <p:cNvPr id="11" name="Подзаголовок 8">
             <a:extLst>
               <a:ext uri="{FF2B5EF4-FFF2-40B4-BE49-F238E27FC236}">
-                <a16:creationId xmlns:a16="http://schemas.microsoft.com/office/drawing/2014/main" xmlns="" id="{FC7036CB-A176-429B-8276-0321ED79B072}"/>
+                <a16:creationId xmlns="" xmlns:a16="http://schemas.microsoft.com/office/drawing/2014/main" id="{FC7036CB-A176-429B-8276-0321ED79B072}"/>
               </a:ext>
             </a:extLst>
           </p:cNvPr>
@@ -7691,7 +7732,7 @@
           <p:cNvPr id="12" name="Подзаголовок 8">
             <a:extLst>
               <a:ext uri="{FF2B5EF4-FFF2-40B4-BE49-F238E27FC236}">
-                <a16:creationId xmlns:a16="http://schemas.microsoft.com/office/drawing/2014/main" xmlns="" id="{1BDCF2C0-421A-4830-AD3E-DEAF6F9BC9E9}"/>
+                <a16:creationId xmlns="" xmlns:a16="http://schemas.microsoft.com/office/drawing/2014/main" id="{1BDCF2C0-421A-4830-AD3E-DEAF6F9BC9E9}"/>
               </a:ext>
             </a:extLst>
           </p:cNvPr>
@@ -7890,11 +7931,6 @@
               </a:rPr>
               <a:t>Спроектировать архитектуру системы. Определить ключевые компоненты системы, такие как модули сбора данных, модуль прогнозирования и интеллектуальная подсистема настройки.</a:t>
             </a:r>
-            <a:endParaRPr lang="ru-RU" sz="1800" dirty="0">
-              <a:solidFill>
-                <a:srgbClr val="5256FA"/>
-              </a:solidFill>
-            </a:endParaRPr>
           </a:p>
         </p:txBody>
       </p:sp>
@@ -7903,7 +7939,7 @@
           <p:cNvPr id="13" name="Подзаголовок 8">
             <a:extLst>
               <a:ext uri="{FF2B5EF4-FFF2-40B4-BE49-F238E27FC236}">
-                <a16:creationId xmlns:a16="http://schemas.microsoft.com/office/drawing/2014/main" xmlns="" id="{6AFA8EF2-39FC-44EC-AB4D-1B9958010FDF}"/>
+                <a16:creationId xmlns="" xmlns:a16="http://schemas.microsoft.com/office/drawing/2014/main" id="{6AFA8EF2-39FC-44EC-AB4D-1B9958010FDF}"/>
               </a:ext>
             </a:extLst>
           </p:cNvPr>
@@ -8396,7 +8432,7 @@
           <p:cNvPr id="4" name="Рисунок 3">
             <a:extLst>
               <a:ext uri="{FF2B5EF4-FFF2-40B4-BE49-F238E27FC236}">
-                <a16:creationId xmlns:a16="http://schemas.microsoft.com/office/drawing/2014/main" xmlns="" id="{F21520A4-1B49-458C-BFCF-B9285162CF63}"/>
+                <a16:creationId xmlns="" xmlns:a16="http://schemas.microsoft.com/office/drawing/2014/main" id="{F21520A4-1B49-458C-BFCF-B9285162CF63}"/>
               </a:ext>
             </a:extLst>
           </p:cNvPr>
@@ -8432,7 +8468,7 @@
           <p:cNvPr id="8" name="Рисунок 7">
             <a:extLst>
               <a:ext uri="{FF2B5EF4-FFF2-40B4-BE49-F238E27FC236}">
-                <a16:creationId xmlns:a16="http://schemas.microsoft.com/office/drawing/2014/main" xmlns="" id="{07319A58-6F3C-4C13-A62F-76B5F224B12E}"/>
+                <a16:creationId xmlns="" xmlns:a16="http://schemas.microsoft.com/office/drawing/2014/main" id="{07319A58-6F3C-4C13-A62F-76B5F224B12E}"/>
               </a:ext>
             </a:extLst>
           </p:cNvPr>
@@ -8468,7 +8504,7 @@
           <p:cNvPr id="10" name="Рисунок 9">
             <a:extLst>
               <a:ext uri="{FF2B5EF4-FFF2-40B4-BE49-F238E27FC236}">
-                <a16:creationId xmlns:a16="http://schemas.microsoft.com/office/drawing/2014/main" xmlns="" id="{C9B8A4B7-D451-40D9-A66A-50D226DCCC11}"/>
+                <a16:creationId xmlns="" xmlns:a16="http://schemas.microsoft.com/office/drawing/2014/main" id="{C9B8A4B7-D451-40D9-A66A-50D226DCCC11}"/>
               </a:ext>
             </a:extLst>
           </p:cNvPr>
@@ -8511,7 +8547,7 @@
           <p:cNvPr id="6" name="Заголовок 5">
             <a:extLst>
               <a:ext uri="{FF2B5EF4-FFF2-40B4-BE49-F238E27FC236}">
-                <a16:creationId xmlns:a16="http://schemas.microsoft.com/office/drawing/2014/main" xmlns="" id="{B30030E3-9BF5-46A4-B4A7-AAD8BDCBC091}"/>
+                <a16:creationId xmlns="" xmlns:a16="http://schemas.microsoft.com/office/drawing/2014/main" id="{B30030E3-9BF5-46A4-B4A7-AAD8BDCBC091}"/>
               </a:ext>
             </a:extLst>
           </p:cNvPr>
@@ -8556,7 +8592,7 @@
           <p:cNvPr id="9" name="Подзаголовок 8">
             <a:extLst>
               <a:ext uri="{FF2B5EF4-FFF2-40B4-BE49-F238E27FC236}">
-                <a16:creationId xmlns:a16="http://schemas.microsoft.com/office/drawing/2014/main" xmlns="" id="{ED05381E-5982-4DD9-80F7-89E883D50A5B}"/>
+                <a16:creationId xmlns="" xmlns:a16="http://schemas.microsoft.com/office/drawing/2014/main" id="{ED05381E-5982-4DD9-80F7-89E883D50A5B}"/>
               </a:ext>
             </a:extLst>
           </p:cNvPr>
@@ -8596,7 +8632,7 @@
           <p:cNvPr id="2" name="Прямоугольник 1">
             <a:extLst>
               <a:ext uri="{FF2B5EF4-FFF2-40B4-BE49-F238E27FC236}">
-                <a16:creationId xmlns:a16="http://schemas.microsoft.com/office/drawing/2014/main" xmlns="" id="{EEEB909E-4488-4E22-9AEA-1A3BCF910D8B}"/>
+                <a16:creationId xmlns="" xmlns:a16="http://schemas.microsoft.com/office/drawing/2014/main" id="{EEEB909E-4488-4E22-9AEA-1A3BCF910D8B}"/>
               </a:ext>
             </a:extLst>
           </p:cNvPr>
@@ -8638,7 +8674,7 @@
           <p:cNvPr id="3" name="Прямоугольник 2">
             <a:extLst>
               <a:ext uri="{FF2B5EF4-FFF2-40B4-BE49-F238E27FC236}">
-                <a16:creationId xmlns:a16="http://schemas.microsoft.com/office/drawing/2014/main" xmlns="" id="{00EEE8C6-9ECB-4061-88E1-5539384B77B5}"/>
+                <a16:creationId xmlns="" xmlns:a16="http://schemas.microsoft.com/office/drawing/2014/main" id="{00EEE8C6-9ECB-4061-88E1-5539384B77B5}"/>
               </a:ext>
             </a:extLst>
           </p:cNvPr>
@@ -8912,7 +8948,7 @@
           <p:cNvPr id="4" name="Рисунок 3">
             <a:extLst>
               <a:ext uri="{FF2B5EF4-FFF2-40B4-BE49-F238E27FC236}">
-                <a16:creationId xmlns:a16="http://schemas.microsoft.com/office/drawing/2014/main" xmlns="" id="{F21520A4-1B49-458C-BFCF-B9285162CF63}"/>
+                <a16:creationId xmlns="" xmlns:a16="http://schemas.microsoft.com/office/drawing/2014/main" id="{F21520A4-1B49-458C-BFCF-B9285162CF63}"/>
               </a:ext>
             </a:extLst>
           </p:cNvPr>
@@ -8948,7 +8984,7 @@
           <p:cNvPr id="8" name="Рисунок 7">
             <a:extLst>
               <a:ext uri="{FF2B5EF4-FFF2-40B4-BE49-F238E27FC236}">
-                <a16:creationId xmlns:a16="http://schemas.microsoft.com/office/drawing/2014/main" xmlns="" id="{07319A58-6F3C-4C13-A62F-76B5F224B12E}"/>
+                <a16:creationId xmlns="" xmlns:a16="http://schemas.microsoft.com/office/drawing/2014/main" id="{07319A58-6F3C-4C13-A62F-76B5F224B12E}"/>
               </a:ext>
             </a:extLst>
           </p:cNvPr>
@@ -8984,7 +9020,7 @@
           <p:cNvPr id="10" name="Рисунок 9">
             <a:extLst>
               <a:ext uri="{FF2B5EF4-FFF2-40B4-BE49-F238E27FC236}">
-                <a16:creationId xmlns:a16="http://schemas.microsoft.com/office/drawing/2014/main" xmlns="" id="{C9B8A4B7-D451-40D9-A66A-50D226DCCC11}"/>
+                <a16:creationId xmlns="" xmlns:a16="http://schemas.microsoft.com/office/drawing/2014/main" id="{C9B8A4B7-D451-40D9-A66A-50D226DCCC11}"/>
               </a:ext>
             </a:extLst>
           </p:cNvPr>
@@ -9027,7 +9063,7 @@
           <p:cNvPr id="6" name="Заголовок 5">
             <a:extLst>
               <a:ext uri="{FF2B5EF4-FFF2-40B4-BE49-F238E27FC236}">
-                <a16:creationId xmlns:a16="http://schemas.microsoft.com/office/drawing/2014/main" xmlns="" id="{B30030E3-9BF5-46A4-B4A7-AAD8BDCBC091}"/>
+                <a16:creationId xmlns="" xmlns:a16="http://schemas.microsoft.com/office/drawing/2014/main" id="{B30030E3-9BF5-46A4-B4A7-AAD8BDCBC091}"/>
               </a:ext>
             </a:extLst>
           </p:cNvPr>
@@ -9074,7 +9110,7 @@
           <p:cNvPr id="11" name="Рисунок 10" descr="C:\Users\Desswell\Downloads\Диаграмма без названия.drawio.png">
             <a:extLst>
               <a:ext uri="{FF2B5EF4-FFF2-40B4-BE49-F238E27FC236}">
-                <a16:creationId xmlns:a16="http://schemas.microsoft.com/office/drawing/2014/main" xmlns="" id="{31CCA95E-E525-496B-9FD7-7D0EEA11BE0C}"/>
+                <a16:creationId xmlns="" xmlns:a16="http://schemas.microsoft.com/office/drawing/2014/main" id="{31CCA95E-E525-496B-9FD7-7D0EEA11BE0C}"/>
               </a:ext>
             </a:extLst>
           </p:cNvPr>
@@ -9120,6 +9156,13 @@
   <p:clrMapOvr>
     <a:masterClrMapping/>
   </p:clrMapOvr>
+  <p:timing>
+    <p:tnLst>
+      <p:par>
+        <p:cTn id="1" dur="indefinite" restart="never" nodeType="tmRoot"/>
+      </p:par>
+    </p:tnLst>
+  </p:timing>
 </p:sld>
 </file>
 
@@ -9145,7 +9188,7 @@
           <p:cNvPr id="4" name="Рисунок 3">
             <a:extLst>
               <a:ext uri="{FF2B5EF4-FFF2-40B4-BE49-F238E27FC236}">
-                <a16:creationId xmlns:a16="http://schemas.microsoft.com/office/drawing/2014/main" xmlns="" id="{F21520A4-1B49-458C-BFCF-B9285162CF63}"/>
+                <a16:creationId xmlns="" xmlns:a16="http://schemas.microsoft.com/office/drawing/2014/main" id="{F21520A4-1B49-458C-BFCF-B9285162CF63}"/>
               </a:ext>
             </a:extLst>
           </p:cNvPr>
@@ -9181,7 +9224,7 @@
           <p:cNvPr id="8" name="Рисунок 7">
             <a:extLst>
               <a:ext uri="{FF2B5EF4-FFF2-40B4-BE49-F238E27FC236}">
-                <a16:creationId xmlns:a16="http://schemas.microsoft.com/office/drawing/2014/main" xmlns="" id="{07319A58-6F3C-4C13-A62F-76B5F224B12E}"/>
+                <a16:creationId xmlns="" xmlns:a16="http://schemas.microsoft.com/office/drawing/2014/main" id="{07319A58-6F3C-4C13-A62F-76B5F224B12E}"/>
               </a:ext>
             </a:extLst>
           </p:cNvPr>
@@ -9217,7 +9260,7 @@
           <p:cNvPr id="10" name="Рисунок 9">
             <a:extLst>
               <a:ext uri="{FF2B5EF4-FFF2-40B4-BE49-F238E27FC236}">
-                <a16:creationId xmlns:a16="http://schemas.microsoft.com/office/drawing/2014/main" xmlns="" id="{C9B8A4B7-D451-40D9-A66A-50D226DCCC11}"/>
+                <a16:creationId xmlns="" xmlns:a16="http://schemas.microsoft.com/office/drawing/2014/main" id="{C9B8A4B7-D451-40D9-A66A-50D226DCCC11}"/>
               </a:ext>
             </a:extLst>
           </p:cNvPr>
@@ -9260,7 +9303,7 @@
           <p:cNvPr id="6" name="Заголовок 5">
             <a:extLst>
               <a:ext uri="{FF2B5EF4-FFF2-40B4-BE49-F238E27FC236}">
-                <a16:creationId xmlns:a16="http://schemas.microsoft.com/office/drawing/2014/main" xmlns="" id="{B30030E3-9BF5-46A4-B4A7-AAD8BDCBC091}"/>
+                <a16:creationId xmlns="" xmlns:a16="http://schemas.microsoft.com/office/drawing/2014/main" id="{B30030E3-9BF5-46A4-B4A7-AAD8BDCBC091}"/>
               </a:ext>
             </a:extLst>
           </p:cNvPr>
@@ -9307,7 +9350,7 @@
           <p:cNvPr id="2" name="Таблица 1">
             <a:extLst>
               <a:ext uri="{FF2B5EF4-FFF2-40B4-BE49-F238E27FC236}">
-                <a16:creationId xmlns:a16="http://schemas.microsoft.com/office/drawing/2014/main" xmlns="" id="{9EE6CEC7-6914-48B0-AE41-1667F7E33358}"/>
+                <a16:creationId xmlns="" xmlns:a16="http://schemas.microsoft.com/office/drawing/2014/main" id="{9EE6CEC7-6914-48B0-AE41-1667F7E33358}"/>
               </a:ext>
             </a:extLst>
           </p:cNvPr>
@@ -9330,21 +9373,21 @@
                 <a:gridCol w="1208390">
                   <a:extLst>
                     <a:ext uri="{9D8B030D-6E8A-4147-A177-3AD203B41FA5}">
-                      <a16:colId xmlns:a16="http://schemas.microsoft.com/office/drawing/2014/main" xmlns="" val="1299092156"/>
+                      <a16:colId xmlns="" xmlns:a16="http://schemas.microsoft.com/office/drawing/2014/main" val="1299092156"/>
                     </a:ext>
                   </a:extLst>
                 </a:gridCol>
                 <a:gridCol w="4616472">
                   <a:extLst>
                     <a:ext uri="{9D8B030D-6E8A-4147-A177-3AD203B41FA5}">
-                      <a16:colId xmlns:a16="http://schemas.microsoft.com/office/drawing/2014/main" xmlns="" val="2035797206"/>
+                      <a16:colId xmlns="" xmlns:a16="http://schemas.microsoft.com/office/drawing/2014/main" val="2035797206"/>
                     </a:ext>
                   </a:extLst>
                 </a:gridCol>
                 <a:gridCol w="3780781">
                   <a:extLst>
                     <a:ext uri="{9D8B030D-6E8A-4147-A177-3AD203B41FA5}">
-                      <a16:colId xmlns:a16="http://schemas.microsoft.com/office/drawing/2014/main" xmlns="" val="3670100318"/>
+                      <a16:colId xmlns="" xmlns:a16="http://schemas.microsoft.com/office/drawing/2014/main" val="3670100318"/>
                     </a:ext>
                   </a:extLst>
                 </a:gridCol>
@@ -9532,7 +9575,7 @@
                 </a:tc>
                 <a:extLst>
                   <a:ext uri="{0D108BD9-81ED-4DB2-BD59-A6C34878D82A}">
-                    <a16:rowId xmlns:a16="http://schemas.microsoft.com/office/drawing/2014/main" xmlns="" val="410701030"/>
+                    <a16:rowId xmlns="" xmlns:a16="http://schemas.microsoft.com/office/drawing/2014/main" val="410701030"/>
                   </a:ext>
                 </a:extLst>
               </a:tr>
@@ -9719,7 +9762,7 @@
                 </a:tc>
                 <a:extLst>
                   <a:ext uri="{0D108BD9-81ED-4DB2-BD59-A6C34878D82A}">
-                    <a16:rowId xmlns:a16="http://schemas.microsoft.com/office/drawing/2014/main" xmlns="" val="4097890399"/>
+                    <a16:rowId xmlns="" xmlns:a16="http://schemas.microsoft.com/office/drawing/2014/main" val="4097890399"/>
                   </a:ext>
                 </a:extLst>
               </a:tr>
@@ -9906,7 +9949,7 @@
                 </a:tc>
                 <a:extLst>
                   <a:ext uri="{0D108BD9-81ED-4DB2-BD59-A6C34878D82A}">
-                    <a16:rowId xmlns:a16="http://schemas.microsoft.com/office/drawing/2014/main" xmlns="" val="855784902"/>
+                    <a16:rowId xmlns="" xmlns:a16="http://schemas.microsoft.com/office/drawing/2014/main" val="855784902"/>
                   </a:ext>
                 </a:extLst>
               </a:tr>
@@ -10093,7 +10136,7 @@
                 </a:tc>
                 <a:extLst>
                   <a:ext uri="{0D108BD9-81ED-4DB2-BD59-A6C34878D82A}">
-                    <a16:rowId xmlns:a16="http://schemas.microsoft.com/office/drawing/2014/main" xmlns="" val="1803935703"/>
+                    <a16:rowId xmlns="" xmlns:a16="http://schemas.microsoft.com/office/drawing/2014/main" val="1803935703"/>
                   </a:ext>
                 </a:extLst>
               </a:tr>
@@ -10280,7 +10323,7 @@
                 </a:tc>
                 <a:extLst>
                   <a:ext uri="{0D108BD9-81ED-4DB2-BD59-A6C34878D82A}">
-                    <a16:rowId xmlns:a16="http://schemas.microsoft.com/office/drawing/2014/main" xmlns="" val="980479558"/>
+                    <a16:rowId xmlns="" xmlns:a16="http://schemas.microsoft.com/office/drawing/2014/main" val="980479558"/>
                   </a:ext>
                 </a:extLst>
               </a:tr>
@@ -10467,7 +10510,7 @@
                 </a:tc>
                 <a:extLst>
                   <a:ext uri="{0D108BD9-81ED-4DB2-BD59-A6C34878D82A}">
-                    <a16:rowId xmlns:a16="http://schemas.microsoft.com/office/drawing/2014/main" xmlns="" val="715230637"/>
+                    <a16:rowId xmlns="" xmlns:a16="http://schemas.microsoft.com/office/drawing/2014/main" val="715230637"/>
                   </a:ext>
                 </a:extLst>
               </a:tr>
@@ -10654,7 +10697,7 @@
                 </a:tc>
                 <a:extLst>
                   <a:ext uri="{0D108BD9-81ED-4DB2-BD59-A6C34878D82A}">
-                    <a16:rowId xmlns:a16="http://schemas.microsoft.com/office/drawing/2014/main" xmlns="" val="1467815869"/>
+                    <a16:rowId xmlns="" xmlns:a16="http://schemas.microsoft.com/office/drawing/2014/main" val="1467815869"/>
                   </a:ext>
                 </a:extLst>
               </a:tr>
@@ -10841,7 +10884,7 @@
                 </a:tc>
                 <a:extLst>
                   <a:ext uri="{0D108BD9-81ED-4DB2-BD59-A6C34878D82A}">
-                    <a16:rowId xmlns:a16="http://schemas.microsoft.com/office/drawing/2014/main" xmlns="" val="388153822"/>
+                    <a16:rowId xmlns="" xmlns:a16="http://schemas.microsoft.com/office/drawing/2014/main" val="388153822"/>
                   </a:ext>
                 </a:extLst>
               </a:tr>
@@ -11028,7 +11071,7 @@
                 </a:tc>
                 <a:extLst>
                   <a:ext uri="{0D108BD9-81ED-4DB2-BD59-A6C34878D82A}">
-                    <a16:rowId xmlns:a16="http://schemas.microsoft.com/office/drawing/2014/main" xmlns="" val="3863732599"/>
+                    <a16:rowId xmlns="" xmlns:a16="http://schemas.microsoft.com/office/drawing/2014/main" val="3863732599"/>
                   </a:ext>
                 </a:extLst>
               </a:tr>
@@ -11046,6 +11089,13 @@
   <p:clrMapOvr>
     <a:masterClrMapping/>
   </p:clrMapOvr>
+  <p:timing>
+    <p:tnLst>
+      <p:par>
+        <p:cTn id="1" dur="indefinite" restart="never" nodeType="tmRoot"/>
+      </p:par>
+    </p:tnLst>
+  </p:timing>
 </p:sld>
 </file>
 
@@ -11071,7 +11121,7 @@
           <p:cNvPr id="4" name="Рисунок 3">
             <a:extLst>
               <a:ext uri="{FF2B5EF4-FFF2-40B4-BE49-F238E27FC236}">
-                <a16:creationId xmlns:a16="http://schemas.microsoft.com/office/drawing/2014/main" xmlns="" id="{F21520A4-1B49-458C-BFCF-B9285162CF63}"/>
+                <a16:creationId xmlns="" xmlns:a16="http://schemas.microsoft.com/office/drawing/2014/main" id="{F21520A4-1B49-458C-BFCF-B9285162CF63}"/>
               </a:ext>
             </a:extLst>
           </p:cNvPr>
@@ -11107,7 +11157,7 @@
           <p:cNvPr id="8" name="Рисунок 7">
             <a:extLst>
               <a:ext uri="{FF2B5EF4-FFF2-40B4-BE49-F238E27FC236}">
-                <a16:creationId xmlns:a16="http://schemas.microsoft.com/office/drawing/2014/main" xmlns="" id="{07319A58-6F3C-4C13-A62F-76B5F224B12E}"/>
+                <a16:creationId xmlns="" xmlns:a16="http://schemas.microsoft.com/office/drawing/2014/main" id="{07319A58-6F3C-4C13-A62F-76B5F224B12E}"/>
               </a:ext>
             </a:extLst>
           </p:cNvPr>
@@ -11143,7 +11193,7 @@
           <p:cNvPr id="10" name="Рисунок 9">
             <a:extLst>
               <a:ext uri="{FF2B5EF4-FFF2-40B4-BE49-F238E27FC236}">
-                <a16:creationId xmlns:a16="http://schemas.microsoft.com/office/drawing/2014/main" xmlns="" id="{C9B8A4B7-D451-40D9-A66A-50D226DCCC11}"/>
+                <a16:creationId xmlns="" xmlns:a16="http://schemas.microsoft.com/office/drawing/2014/main" id="{C9B8A4B7-D451-40D9-A66A-50D226DCCC11}"/>
               </a:ext>
             </a:extLst>
           </p:cNvPr>
@@ -11186,7 +11236,7 @@
           <p:cNvPr id="6" name="Заголовок 5">
             <a:extLst>
               <a:ext uri="{FF2B5EF4-FFF2-40B4-BE49-F238E27FC236}">
-                <a16:creationId xmlns:a16="http://schemas.microsoft.com/office/drawing/2014/main" xmlns="" id="{B30030E3-9BF5-46A4-B4A7-AAD8BDCBC091}"/>
+                <a16:creationId xmlns="" xmlns:a16="http://schemas.microsoft.com/office/drawing/2014/main" id="{B30030E3-9BF5-46A4-B4A7-AAD8BDCBC091}"/>
               </a:ext>
             </a:extLst>
           </p:cNvPr>
@@ -11235,7 +11285,7 @@
               <p:cNvPr id="3" name="Таблица 2">
                 <a:extLst>
                   <a:ext uri="{FF2B5EF4-FFF2-40B4-BE49-F238E27FC236}">
-                    <a16:creationId xmlns:a16="http://schemas.microsoft.com/office/drawing/2014/main" xmlns="" id="{FCA4D9E7-3A1E-4A40-96C7-F02A1335911A}"/>
+                    <a16:creationId xmlns="" xmlns:a16="http://schemas.microsoft.com/office/drawing/2014/main" id="{FCA4D9E7-3A1E-4A40-96C7-F02A1335911A}"/>
                   </a:ext>
                 </a:extLst>
               </p:cNvPr>
@@ -11264,35 +11314,35 @@
                     <a:gridCol w="1580907">
                       <a:extLst>
                         <a:ext uri="{9D8B030D-6E8A-4147-A177-3AD203B41FA5}">
-                          <a16:colId xmlns:a16="http://schemas.microsoft.com/office/drawing/2014/main" xmlns="" val="3842375315"/>
+                          <a16:colId xmlns="" xmlns:a16="http://schemas.microsoft.com/office/drawing/2014/main" val="3842375315"/>
                         </a:ext>
                       </a:extLst>
                     </a:gridCol>
                     <a:gridCol w="2643720">
                       <a:extLst>
                         <a:ext uri="{9D8B030D-6E8A-4147-A177-3AD203B41FA5}">
-                          <a16:colId xmlns:a16="http://schemas.microsoft.com/office/drawing/2014/main" xmlns="" val="1251644244"/>
+                          <a16:colId xmlns="" xmlns:a16="http://schemas.microsoft.com/office/drawing/2014/main" val="1251644244"/>
                         </a:ext>
                       </a:extLst>
                     </a:gridCol>
                     <a:gridCol w="1692613">
                       <a:extLst>
                         <a:ext uri="{9D8B030D-6E8A-4147-A177-3AD203B41FA5}">
-                          <a16:colId xmlns:a16="http://schemas.microsoft.com/office/drawing/2014/main" xmlns="" val="2549886858"/>
+                          <a16:colId xmlns="" xmlns:a16="http://schemas.microsoft.com/office/drawing/2014/main" val="2549886858"/>
                         </a:ext>
                       </a:extLst>
                     </a:gridCol>
                     <a:gridCol w="1742697">
                       <a:extLst>
                         <a:ext uri="{9D8B030D-6E8A-4147-A177-3AD203B41FA5}">
-                          <a16:colId xmlns:a16="http://schemas.microsoft.com/office/drawing/2014/main" xmlns="" val="2591705167"/>
+                          <a16:colId xmlns="" xmlns:a16="http://schemas.microsoft.com/office/drawing/2014/main" val="2591705167"/>
                         </a:ext>
                       </a:extLst>
                     </a:gridCol>
                     <a:gridCol w="1332710">
                       <a:extLst>
                         <a:ext uri="{9D8B030D-6E8A-4147-A177-3AD203B41FA5}">
-                          <a16:colId xmlns:a16="http://schemas.microsoft.com/office/drawing/2014/main" xmlns="" val="3897933850"/>
+                          <a16:colId xmlns="" xmlns:a16="http://schemas.microsoft.com/office/drawing/2014/main" val="3897933850"/>
                         </a:ext>
                       </a:extLst>
                     </a:gridCol>
@@ -11520,7 +11570,7 @@
                     </a:tc>
                     <a:extLst>
                       <a:ext uri="{0D108BD9-81ED-4DB2-BD59-A6C34878D82A}">
-                        <a16:rowId xmlns:a16="http://schemas.microsoft.com/office/drawing/2014/main" xmlns="" val="1395624525"/>
+                        <a16:rowId xmlns="" xmlns:a16="http://schemas.microsoft.com/office/drawing/2014/main" val="1395624525"/>
                       </a:ext>
                     </a:extLst>
                   </a:tr>
@@ -11709,7 +11759,7 @@
                     </a:tc>
                     <a:extLst>
                       <a:ext uri="{0D108BD9-81ED-4DB2-BD59-A6C34878D82A}">
-                        <a16:rowId xmlns:a16="http://schemas.microsoft.com/office/drawing/2014/main" xmlns="" val="3678604082"/>
+                        <a16:rowId xmlns="" xmlns:a16="http://schemas.microsoft.com/office/drawing/2014/main" val="3678604082"/>
                       </a:ext>
                     </a:extLst>
                   </a:tr>
@@ -11998,7 +12048,7 @@
                     </a:tc>
                     <a:extLst>
                       <a:ext uri="{0D108BD9-81ED-4DB2-BD59-A6C34878D82A}">
-                        <a16:rowId xmlns:a16="http://schemas.microsoft.com/office/drawing/2014/main" xmlns="" val="588136802"/>
+                        <a16:rowId xmlns="" xmlns:a16="http://schemas.microsoft.com/office/drawing/2014/main" val="588136802"/>
                       </a:ext>
                     </a:extLst>
                   </a:tr>
@@ -12275,7 +12325,7 @@
                     </a:tc>
                     <a:extLst>
                       <a:ext uri="{0D108BD9-81ED-4DB2-BD59-A6C34878D82A}">
-                        <a16:rowId xmlns:a16="http://schemas.microsoft.com/office/drawing/2014/main" xmlns="" val="245674686"/>
+                        <a16:rowId xmlns="" xmlns:a16="http://schemas.microsoft.com/office/drawing/2014/main" val="245674686"/>
                       </a:ext>
                     </a:extLst>
                   </a:tr>
@@ -12552,7 +12602,7 @@
                     </a:tc>
                     <a:extLst>
                       <a:ext uri="{0D108BD9-81ED-4DB2-BD59-A6C34878D82A}">
-                        <a16:rowId xmlns:a16="http://schemas.microsoft.com/office/drawing/2014/main" xmlns="" val="1228362415"/>
+                        <a16:rowId xmlns="" xmlns:a16="http://schemas.microsoft.com/office/drawing/2014/main" val="1228362415"/>
                       </a:ext>
                     </a:extLst>
                   </a:tr>
@@ -12841,7 +12891,7 @@
                     </a:tc>
                     <a:extLst>
                       <a:ext uri="{0D108BD9-81ED-4DB2-BD59-A6C34878D82A}">
-                        <a16:rowId xmlns:a16="http://schemas.microsoft.com/office/drawing/2014/main" xmlns="" val="4134007960"/>
+                        <a16:rowId xmlns="" xmlns:a16="http://schemas.microsoft.com/office/drawing/2014/main" val="4134007960"/>
                       </a:ext>
                     </a:extLst>
                   </a:tr>
@@ -13118,7 +13168,7 @@
                     </a:tc>
                     <a:extLst>
                       <a:ext uri="{0D108BD9-81ED-4DB2-BD59-A6C34878D82A}">
-                        <a16:rowId xmlns:a16="http://schemas.microsoft.com/office/drawing/2014/main" xmlns="" val="1605466096"/>
+                        <a16:rowId xmlns="" xmlns:a16="http://schemas.microsoft.com/office/drawing/2014/main" val="1605466096"/>
                       </a:ext>
                     </a:extLst>
                   </a:tr>
@@ -13395,7 +13445,7 @@
                     </a:tc>
                     <a:extLst>
                       <a:ext uri="{0D108BD9-81ED-4DB2-BD59-A6C34878D82A}">
-                        <a16:rowId xmlns:a16="http://schemas.microsoft.com/office/drawing/2014/main" xmlns="" val="2394351287"/>
+                        <a16:rowId xmlns="" xmlns:a16="http://schemas.microsoft.com/office/drawing/2014/main" val="2394351287"/>
                       </a:ext>
                     </a:extLst>
                   </a:tr>
@@ -13672,7 +13722,7 @@
                     </a:tc>
                     <a:extLst>
                       <a:ext uri="{0D108BD9-81ED-4DB2-BD59-A6C34878D82A}">
-                        <a16:rowId xmlns:a16="http://schemas.microsoft.com/office/drawing/2014/main" xmlns="" val="691962831"/>
+                        <a16:rowId xmlns="" xmlns:a16="http://schemas.microsoft.com/office/drawing/2014/main" val="691962831"/>
                       </a:ext>
                     </a:extLst>
                   </a:tr>
@@ -13961,7 +14011,7 @@
                     </a:tc>
                     <a:extLst>
                       <a:ext uri="{0D108BD9-81ED-4DB2-BD59-A6C34878D82A}">
-                        <a16:rowId xmlns:a16="http://schemas.microsoft.com/office/drawing/2014/main" xmlns="" val="2409234629"/>
+                        <a16:rowId xmlns="" xmlns:a16="http://schemas.microsoft.com/office/drawing/2014/main" val="2409234629"/>
                       </a:ext>
                     </a:extLst>
                   </a:tr>
@@ -14327,7 +14377,7 @@
                     </a:tc>
                     <a:extLst>
                       <a:ext uri="{0D108BD9-81ED-4DB2-BD59-A6C34878D82A}">
-                        <a16:rowId xmlns:a16="http://schemas.microsoft.com/office/drawing/2014/main" xmlns="" val="1719359672"/>
+                        <a16:rowId xmlns="" xmlns:a16="http://schemas.microsoft.com/office/drawing/2014/main" val="1719359672"/>
                       </a:ext>
                     </a:extLst>
                   </a:tr>
@@ -17209,6 +17259,13 @@
   <p:clrMapOvr>
     <a:masterClrMapping/>
   </p:clrMapOvr>
+  <p:timing>
+    <p:tnLst>
+      <p:par>
+        <p:cTn id="1" dur="indefinite" restart="never" nodeType="tmRoot"/>
+      </p:par>
+    </p:tnLst>
+  </p:timing>
 </p:sld>
 </file>
 
@@ -17234,7 +17291,7 @@
           <p:cNvPr id="4" name="Рисунок 3">
             <a:extLst>
               <a:ext uri="{FF2B5EF4-FFF2-40B4-BE49-F238E27FC236}">
-                <a16:creationId xmlns:a16="http://schemas.microsoft.com/office/drawing/2014/main" xmlns="" id="{F21520A4-1B49-458C-BFCF-B9285162CF63}"/>
+                <a16:creationId xmlns="" xmlns:a16="http://schemas.microsoft.com/office/drawing/2014/main" id="{F21520A4-1B49-458C-BFCF-B9285162CF63}"/>
               </a:ext>
             </a:extLst>
           </p:cNvPr>
@@ -17270,7 +17327,7 @@
           <p:cNvPr id="8" name="Рисунок 7">
             <a:extLst>
               <a:ext uri="{FF2B5EF4-FFF2-40B4-BE49-F238E27FC236}">
-                <a16:creationId xmlns:a16="http://schemas.microsoft.com/office/drawing/2014/main" xmlns="" id="{07319A58-6F3C-4C13-A62F-76B5F224B12E}"/>
+                <a16:creationId xmlns="" xmlns:a16="http://schemas.microsoft.com/office/drawing/2014/main" id="{07319A58-6F3C-4C13-A62F-76B5F224B12E}"/>
               </a:ext>
             </a:extLst>
           </p:cNvPr>
@@ -17306,7 +17363,7 @@
           <p:cNvPr id="10" name="Рисунок 9">
             <a:extLst>
               <a:ext uri="{FF2B5EF4-FFF2-40B4-BE49-F238E27FC236}">
-                <a16:creationId xmlns:a16="http://schemas.microsoft.com/office/drawing/2014/main" xmlns="" id="{C9B8A4B7-D451-40D9-A66A-50D226DCCC11}"/>
+                <a16:creationId xmlns="" xmlns:a16="http://schemas.microsoft.com/office/drawing/2014/main" id="{C9B8A4B7-D451-40D9-A66A-50D226DCCC11}"/>
               </a:ext>
             </a:extLst>
           </p:cNvPr>
@@ -17349,7 +17406,7 @@
           <p:cNvPr id="7" name="Рисунок 6">
             <a:extLst>
               <a:ext uri="{FF2B5EF4-FFF2-40B4-BE49-F238E27FC236}">
-                <a16:creationId xmlns:a16="http://schemas.microsoft.com/office/drawing/2014/main" xmlns="" id="{040A001C-E5F5-4D41-9B61-58B16796BCE0}"/>
+                <a16:creationId xmlns="" xmlns:a16="http://schemas.microsoft.com/office/drawing/2014/main" id="{040A001C-E5F5-4D41-9B61-58B16796BCE0}"/>
               </a:ext>
             </a:extLst>
           </p:cNvPr>
@@ -17377,7 +17434,7 @@
           <p:cNvPr id="9" name="Рисунок 8">
             <a:extLst>
               <a:ext uri="{FF2B5EF4-FFF2-40B4-BE49-F238E27FC236}">
-                <a16:creationId xmlns:a16="http://schemas.microsoft.com/office/drawing/2014/main" xmlns="" id="{D37ABE8D-F46E-43F3-A29D-30741992D758}"/>
+                <a16:creationId xmlns="" xmlns:a16="http://schemas.microsoft.com/office/drawing/2014/main" id="{D37ABE8D-F46E-43F3-A29D-30741992D758}"/>
               </a:ext>
             </a:extLst>
           </p:cNvPr>
@@ -17405,7 +17462,7 @@
           <p:cNvPr id="6" name="Заголовок 5">
             <a:extLst>
               <a:ext uri="{FF2B5EF4-FFF2-40B4-BE49-F238E27FC236}">
-                <a16:creationId xmlns:a16="http://schemas.microsoft.com/office/drawing/2014/main" xmlns="" id="{B30030E3-9BF5-46A4-B4A7-AAD8BDCBC091}"/>
+                <a16:creationId xmlns="" xmlns:a16="http://schemas.microsoft.com/office/drawing/2014/main" id="{B30030E3-9BF5-46A4-B4A7-AAD8BDCBC091}"/>
               </a:ext>
             </a:extLst>
           </p:cNvPr>
@@ -17452,7 +17509,7 @@
           <p:cNvPr id="12" name="Рисунок 11">
             <a:extLst>
               <a:ext uri="{FF2B5EF4-FFF2-40B4-BE49-F238E27FC236}">
-                <a16:creationId xmlns:a16="http://schemas.microsoft.com/office/drawing/2014/main" xmlns="" id="{4A704215-7465-4291-9E77-91AD1151A3D5}"/>
+                <a16:creationId xmlns="" xmlns:a16="http://schemas.microsoft.com/office/drawing/2014/main" id="{4A704215-7465-4291-9E77-91AD1151A3D5}"/>
               </a:ext>
             </a:extLst>
           </p:cNvPr>
@@ -17480,7 +17537,7 @@
           <p:cNvPr id="2" name="TextBox 1">
             <a:extLst>
               <a:ext uri="{FF2B5EF4-FFF2-40B4-BE49-F238E27FC236}">
-                <a16:creationId xmlns:a16="http://schemas.microsoft.com/office/drawing/2014/main" xmlns="" id="{11DA9884-EA31-4683-89E5-37AC5D69ED4E}"/>
+                <a16:creationId xmlns="" xmlns:a16="http://schemas.microsoft.com/office/drawing/2014/main" id="{11DA9884-EA31-4683-89E5-37AC5D69ED4E}"/>
               </a:ext>
             </a:extLst>
           </p:cNvPr>
@@ -17532,7 +17589,7 @@
           <p:cNvPr id="13" name="TextBox 12">
             <a:extLst>
               <a:ext uri="{FF2B5EF4-FFF2-40B4-BE49-F238E27FC236}">
-                <a16:creationId xmlns:a16="http://schemas.microsoft.com/office/drawing/2014/main" xmlns="" id="{4F1D48D4-23CA-48F1-87AF-BA50B9989A89}"/>
+                <a16:creationId xmlns="" xmlns:a16="http://schemas.microsoft.com/office/drawing/2014/main" id="{4F1D48D4-23CA-48F1-87AF-BA50B9989A89}"/>
               </a:ext>
             </a:extLst>
           </p:cNvPr>
@@ -17584,7 +17641,7 @@
           <p:cNvPr id="14" name="TextBox 13">
             <a:extLst>
               <a:ext uri="{FF2B5EF4-FFF2-40B4-BE49-F238E27FC236}">
-                <a16:creationId xmlns:a16="http://schemas.microsoft.com/office/drawing/2014/main" xmlns="" id="{C6F82FAD-797F-422A-9379-D56E419F88A2}"/>
+                <a16:creationId xmlns="" xmlns:a16="http://schemas.microsoft.com/office/drawing/2014/main" id="{C6F82FAD-797F-422A-9379-D56E419F88A2}"/>
               </a:ext>
             </a:extLst>
           </p:cNvPr>
@@ -17952,7 +18009,7 @@
           <p:cNvPr id="4" name="Рисунок 3">
             <a:extLst>
               <a:ext uri="{FF2B5EF4-FFF2-40B4-BE49-F238E27FC236}">
-                <a16:creationId xmlns:a16="http://schemas.microsoft.com/office/drawing/2014/main" xmlns="" id="{F21520A4-1B49-458C-BFCF-B9285162CF63}"/>
+                <a16:creationId xmlns="" xmlns:a16="http://schemas.microsoft.com/office/drawing/2014/main" id="{F21520A4-1B49-458C-BFCF-B9285162CF63}"/>
               </a:ext>
             </a:extLst>
           </p:cNvPr>
@@ -17988,7 +18045,7 @@
           <p:cNvPr id="8" name="Рисунок 7">
             <a:extLst>
               <a:ext uri="{FF2B5EF4-FFF2-40B4-BE49-F238E27FC236}">
-                <a16:creationId xmlns:a16="http://schemas.microsoft.com/office/drawing/2014/main" xmlns="" id="{07319A58-6F3C-4C13-A62F-76B5F224B12E}"/>
+                <a16:creationId xmlns="" xmlns:a16="http://schemas.microsoft.com/office/drawing/2014/main" id="{07319A58-6F3C-4C13-A62F-76B5F224B12E}"/>
               </a:ext>
             </a:extLst>
           </p:cNvPr>
@@ -18024,7 +18081,7 @@
           <p:cNvPr id="10" name="Рисунок 9">
             <a:extLst>
               <a:ext uri="{FF2B5EF4-FFF2-40B4-BE49-F238E27FC236}">
-                <a16:creationId xmlns:a16="http://schemas.microsoft.com/office/drawing/2014/main" xmlns="" id="{C9B8A4B7-D451-40D9-A66A-50D226DCCC11}"/>
+                <a16:creationId xmlns="" xmlns:a16="http://schemas.microsoft.com/office/drawing/2014/main" id="{C9B8A4B7-D451-40D9-A66A-50D226DCCC11}"/>
               </a:ext>
             </a:extLst>
           </p:cNvPr>
@@ -18067,7 +18124,7 @@
           <p:cNvPr id="6" name="Заголовок 5">
             <a:extLst>
               <a:ext uri="{FF2B5EF4-FFF2-40B4-BE49-F238E27FC236}">
-                <a16:creationId xmlns:a16="http://schemas.microsoft.com/office/drawing/2014/main" xmlns="" id="{B30030E3-9BF5-46A4-B4A7-AAD8BDCBC091}"/>
+                <a16:creationId xmlns="" xmlns:a16="http://schemas.microsoft.com/office/drawing/2014/main" id="{B30030E3-9BF5-46A4-B4A7-AAD8BDCBC091}"/>
               </a:ext>
             </a:extLst>
           </p:cNvPr>
@@ -18114,7 +18171,7 @@
           <p:cNvPr id="2" name="Таблица 1">
             <a:extLst>
               <a:ext uri="{FF2B5EF4-FFF2-40B4-BE49-F238E27FC236}">
-                <a16:creationId xmlns:a16="http://schemas.microsoft.com/office/drawing/2014/main" xmlns="" id="{2A5B5DA6-1274-48E5-BDFB-05D64C2BFBF6}"/>
+                <a16:creationId xmlns="" xmlns:a16="http://schemas.microsoft.com/office/drawing/2014/main" id="{2A5B5DA6-1274-48E5-BDFB-05D64C2BFBF6}"/>
               </a:ext>
             </a:extLst>
           </p:cNvPr>
@@ -18143,28 +18200,28 @@
                 <a:gridCol w="2351199">
                   <a:extLst>
                     <a:ext uri="{9D8B030D-6E8A-4147-A177-3AD203B41FA5}">
-                      <a16:colId xmlns:a16="http://schemas.microsoft.com/office/drawing/2014/main" xmlns="" val="1791592174"/>
+                      <a16:colId xmlns="" xmlns:a16="http://schemas.microsoft.com/office/drawing/2014/main" val="1791592174"/>
                     </a:ext>
                   </a:extLst>
                 </a:gridCol>
                 <a:gridCol w="1881598">
                   <a:extLst>
                     <a:ext uri="{9D8B030D-6E8A-4147-A177-3AD203B41FA5}">
-                      <a16:colId xmlns:a16="http://schemas.microsoft.com/office/drawing/2014/main" xmlns="" val="322585989"/>
+                      <a16:colId xmlns="" xmlns:a16="http://schemas.microsoft.com/office/drawing/2014/main" val="322585989"/>
                     </a:ext>
                   </a:extLst>
                 </a:gridCol>
                 <a:gridCol w="1998200">
                   <a:extLst>
                     <a:ext uri="{9D8B030D-6E8A-4147-A177-3AD203B41FA5}">
-                      <a16:colId xmlns:a16="http://schemas.microsoft.com/office/drawing/2014/main" xmlns="" val="702331828"/>
+                      <a16:colId xmlns="" xmlns:a16="http://schemas.microsoft.com/office/drawing/2014/main" val="702331828"/>
                     </a:ext>
                   </a:extLst>
                 </a:gridCol>
                 <a:gridCol w="1755413">
                   <a:extLst>
                     <a:ext uri="{9D8B030D-6E8A-4147-A177-3AD203B41FA5}">
-                      <a16:colId xmlns:a16="http://schemas.microsoft.com/office/drawing/2014/main" xmlns="" val="3307361061"/>
+                      <a16:colId xmlns="" xmlns:a16="http://schemas.microsoft.com/office/drawing/2014/main" val="3307361061"/>
                     </a:ext>
                   </a:extLst>
                 </a:gridCol>
@@ -18312,7 +18369,7 @@
                 </a:tc>
                 <a:extLst>
                   <a:ext uri="{0D108BD9-81ED-4DB2-BD59-A6C34878D82A}">
-                    <a16:rowId xmlns:a16="http://schemas.microsoft.com/office/drawing/2014/main" xmlns="" val="1936064590"/>
+                    <a16:rowId xmlns="" xmlns:a16="http://schemas.microsoft.com/office/drawing/2014/main" val="1936064590"/>
                   </a:ext>
                 </a:extLst>
               </a:tr>
@@ -18512,7 +18569,7 @@
                 </a:tc>
                 <a:extLst>
                   <a:ext uri="{0D108BD9-81ED-4DB2-BD59-A6C34878D82A}">
-                    <a16:rowId xmlns:a16="http://schemas.microsoft.com/office/drawing/2014/main" xmlns="" val="3648553948"/>
+                    <a16:rowId xmlns="" xmlns:a16="http://schemas.microsoft.com/office/drawing/2014/main" val="3648553948"/>
                   </a:ext>
                 </a:extLst>
               </a:tr>
@@ -18747,7 +18804,7 @@
                 </a:tc>
                 <a:extLst>
                   <a:ext uri="{0D108BD9-81ED-4DB2-BD59-A6C34878D82A}">
-                    <a16:rowId xmlns:a16="http://schemas.microsoft.com/office/drawing/2014/main" xmlns="" val="196336215"/>
+                    <a16:rowId xmlns="" xmlns:a16="http://schemas.microsoft.com/office/drawing/2014/main" val="196336215"/>
                   </a:ext>
                 </a:extLst>
               </a:tr>
@@ -18970,7 +19027,7 @@
                 </a:tc>
                 <a:extLst>
                   <a:ext uri="{0D108BD9-81ED-4DB2-BD59-A6C34878D82A}">
-                    <a16:rowId xmlns:a16="http://schemas.microsoft.com/office/drawing/2014/main" xmlns="" val="3629207685"/>
+                    <a16:rowId xmlns="" xmlns:a16="http://schemas.microsoft.com/office/drawing/2014/main" val="3629207685"/>
                   </a:ext>
                 </a:extLst>
               </a:tr>
@@ -19205,7 +19262,7 @@
                 </a:tc>
                 <a:extLst>
                   <a:ext uri="{0D108BD9-81ED-4DB2-BD59-A6C34878D82A}">
-                    <a16:rowId xmlns:a16="http://schemas.microsoft.com/office/drawing/2014/main" xmlns="" val="3416443898"/>
+                    <a16:rowId xmlns="" xmlns:a16="http://schemas.microsoft.com/office/drawing/2014/main" val="3416443898"/>
                   </a:ext>
                 </a:extLst>
               </a:tr>
@@ -19223,6 +19280,13 @@
   <p:clrMapOvr>
     <a:masterClrMapping/>
   </p:clrMapOvr>
+  <p:timing>
+    <p:tnLst>
+      <p:par>
+        <p:cTn id="1" dur="indefinite" restart="never" nodeType="tmRoot"/>
+      </p:par>
+    </p:tnLst>
+  </p:timing>
 </p:sld>
 </file>
 
